--- a/assets/files/Tema4/4. Selección de características.pptx
+++ b/assets/files/Tema4/4. Selección de características.pptx
@@ -11783,6 +11783,285 @@
 </file>
 
 <file path=ppt/theme/theme1.xml><?xml version="1.0" encoding="utf-8"?>
+<a:theme xmlns:a="http://schemas.openxmlformats.org/drawingml/2006/main" xmlns:r="http://schemas.openxmlformats.org/officeDocument/2006/relationships">
+  <a:themeElements>
+    <a:clrScheme name="Default">
+      <a:dk1>
+        <a:srgbClr val="000000"/>
+      </a:dk1>
+      <a:lt1>
+        <a:srgbClr val="FFFFFF"/>
+      </a:lt1>
+      <a:dk2>
+        <a:srgbClr val="158158"/>
+      </a:dk2>
+      <a:lt2>
+        <a:srgbClr val="F3F3F3"/>
+      </a:lt2>
+      <a:accent1>
+        <a:srgbClr val="058DC7"/>
+      </a:accent1>
+      <a:accent2>
+        <a:srgbClr val="50B432"/>
+      </a:accent2>
+      <a:accent3>
+        <a:srgbClr val="ED561B"/>
+      </a:accent3>
+      <a:accent4>
+        <a:srgbClr val="EDEF00"/>
+      </a:accent4>
+      <a:accent5>
+        <a:srgbClr val="24CBE5"/>
+      </a:accent5>
+      <a:accent6>
+        <a:srgbClr val="64E572"/>
+      </a:accent6>
+      <a:hlink>
+        <a:srgbClr val="2200CC"/>
+      </a:hlink>
+      <a:folHlink>
+        <a:srgbClr val="551A8B"/>
+      </a:folHlink>
+    </a:clrScheme>
+    <a:fontScheme name="Office">
+      <a:majorFont>
+        <a:latin typeface="Arial"/>
+        <a:ea typeface=""/>
+        <a:cs typeface=""/>
+        <a:font script="Jpan" typeface="ＭＳ Ｐゴシック"/>
+        <a:font script="Hang" typeface="맑은 고딕"/>
+        <a:font script="Hans" typeface="宋体"/>
+        <a:font script="Hant" typeface="新細明體"/>
+        <a:font script="Arab" typeface="Times New Roman"/>
+        <a:font script="Hebr" typeface="Times New Roman"/>
+        <a:font script="Thai" typeface="Angsana New"/>
+        <a:font script="Ethi" typeface="Nyala"/>
+        <a:font script="Beng" typeface="Vrinda"/>
+        <a:font script="Gujr" typeface="Shruti"/>
+        <a:font script="Khmr" typeface="MoolBoran"/>
+        <a:font script="Knda" typeface="Tunga"/>
+        <a:font script="Guru" typeface="Raavi"/>
+        <a:font script="Cans" typeface="Euphemia"/>
+        <a:font script="Cher" typeface="Plantagenet Cherokee"/>
+        <a:font script="Yiii" typeface="Microsoft Yi Baiti"/>
+        <a:font script="Tibt" typeface="Microsoft Himalaya"/>
+        <a:font script="Thaa" typeface="MV Boli"/>
+        <a:font script="Deva" typeface="Mangal"/>
+        <a:font script="Telu" typeface="Gautami"/>
+        <a:font script="Taml" typeface="Latha"/>
+        <a:font script="Syrc" typeface="Estrangelo Edessa"/>
+        <a:font script="Orya" typeface="Kalinga"/>
+        <a:font script="Mlym" typeface="Kartika"/>
+        <a:font script="Laoo" typeface="DokChampa"/>
+        <a:font script="Sinh" typeface="Iskoola Pota"/>
+        <a:font script="Mong" typeface="Mongolian Baiti"/>
+        <a:font script="Viet" typeface="Times New Roman"/>
+        <a:font script="Uigh" typeface="Microsoft Uighur"/>
+        <a:font script="Geor" typeface="Sylfaen"/>
+      </a:majorFont>
+      <a:minorFont>
+        <a:latin typeface="Arial"/>
+        <a:ea typeface=""/>
+        <a:cs typeface=""/>
+        <a:font script="Jpan" typeface="ＭＳ Ｐゴシック"/>
+        <a:font script="Hang" typeface="맑은 고딕"/>
+        <a:font script="Hans" typeface="宋体"/>
+        <a:font script="Hant" typeface="新細明體"/>
+        <a:font script="Arab" typeface="Arial"/>
+        <a:font script="Hebr" typeface="Arial"/>
+        <a:font script="Thai" typeface="Cordia New"/>
+        <a:font script="Ethi" typeface="Nyala"/>
+        <a:font script="Beng" typeface="Vrinda"/>
+        <a:font script="Gujr" typeface="Shruti"/>
+        <a:font script="Khmr" typeface="DaunPenh"/>
+        <a:font script="Knda" typeface="Tunga"/>
+        <a:font script="Guru" typeface="Raavi"/>
+        <a:font script="Cans" typeface="Euphemia"/>
+        <a:font script="Cher" typeface="Plantagenet Cherokee"/>
+        <a:font script="Yiii" typeface="Microsoft Yi Baiti"/>
+        <a:font script="Tibt" typeface="Microsoft Himalaya"/>
+        <a:font script="Thaa" typeface="MV Boli"/>
+        <a:font script="Deva" typeface="Mangal"/>
+        <a:font script="Telu" typeface="Gautami"/>
+        <a:font script="Taml" typeface="Latha"/>
+        <a:font script="Syrc" typeface="Estrangelo Edessa"/>
+        <a:font script="Orya" typeface="Kalinga"/>
+        <a:font script="Mlym" typeface="Kartika"/>
+        <a:font script="Laoo" typeface="DokChampa"/>
+        <a:font script="Sinh" typeface="Iskoola Pota"/>
+        <a:font script="Mong" typeface="Mongolian Baiti"/>
+        <a:font script="Viet" typeface="Arial"/>
+        <a:font script="Uigh" typeface="Microsoft Uighur"/>
+        <a:font script="Geor" typeface="Sylfaen"/>
+      </a:minorFont>
+    </a:fontScheme>
+    <a:fmtScheme name="Office">
+      <a:fillStyleLst>
+        <a:solidFill>
+          <a:schemeClr val="phClr"/>
+        </a:solidFill>
+        <a:gradFill rotWithShape="1">
+          <a:gsLst>
+            <a:gs pos="0">
+              <a:schemeClr val="phClr">
+                <a:tint val="50000"/>
+                <a:satMod val="300000"/>
+              </a:schemeClr>
+            </a:gs>
+            <a:gs pos="35000">
+              <a:schemeClr val="phClr">
+                <a:tint val="37000"/>
+                <a:satMod val="300000"/>
+              </a:schemeClr>
+            </a:gs>
+            <a:gs pos="100000">
+              <a:schemeClr val="phClr">
+                <a:tint val="15000"/>
+                <a:satMod val="350000"/>
+              </a:schemeClr>
+            </a:gs>
+          </a:gsLst>
+          <a:lin ang="16200000" scaled="1"/>
+        </a:gradFill>
+        <a:gradFill rotWithShape="1">
+          <a:gsLst>
+            <a:gs pos="0">
+              <a:schemeClr val="phClr">
+                <a:tint val="100000"/>
+                <a:shade val="100000"/>
+                <a:satMod val="130000"/>
+              </a:schemeClr>
+            </a:gs>
+            <a:gs pos="100000">
+              <a:schemeClr val="phClr">
+                <a:tint val="50000"/>
+                <a:shade val="100000"/>
+                <a:satMod val="350000"/>
+              </a:schemeClr>
+            </a:gs>
+          </a:gsLst>
+          <a:lin ang="16200000" scaled="0"/>
+        </a:gradFill>
+      </a:fillStyleLst>
+      <a:lnStyleLst>
+        <a:ln w="9525" cap="flat" cmpd="sng" algn="ctr">
+          <a:solidFill>
+            <a:schemeClr val="phClr">
+              <a:shade val="95000"/>
+              <a:satMod val="105000"/>
+            </a:schemeClr>
+          </a:solidFill>
+          <a:prstDash val="solid"/>
+        </a:ln>
+        <a:ln w="25400" cap="flat" cmpd="sng" algn="ctr">
+          <a:solidFill>
+            <a:schemeClr val="phClr"/>
+          </a:solidFill>
+          <a:prstDash val="solid"/>
+        </a:ln>
+        <a:ln w="38100" cap="flat" cmpd="sng" algn="ctr">
+          <a:solidFill>
+            <a:schemeClr val="phClr"/>
+          </a:solidFill>
+          <a:prstDash val="solid"/>
+        </a:ln>
+      </a:lnStyleLst>
+      <a:effectStyleLst>
+        <a:effectStyle>
+          <a:effectLst>
+            <a:outerShdw blurRad="40000" dist="20000" dir="5400000" rotWithShape="0">
+              <a:srgbClr val="000000">
+                <a:alpha val="38000"/>
+              </a:srgbClr>
+            </a:outerShdw>
+          </a:effectLst>
+        </a:effectStyle>
+        <a:effectStyle>
+          <a:effectLst>
+            <a:outerShdw blurRad="40000" dist="23000" dir="5400000" rotWithShape="0">
+              <a:srgbClr val="000000">
+                <a:alpha val="35000"/>
+              </a:srgbClr>
+            </a:outerShdw>
+          </a:effectLst>
+        </a:effectStyle>
+        <a:effectStyle>
+          <a:effectLst>
+            <a:outerShdw blurRad="40000" dist="23000" dir="5400000" rotWithShape="0">
+              <a:srgbClr val="000000">
+                <a:alpha val="35000"/>
+              </a:srgbClr>
+            </a:outerShdw>
+          </a:effectLst>
+          <a:scene3d>
+            <a:camera prst="orthographicFront">
+              <a:rot lat="0" lon="0" rev="0"/>
+            </a:camera>
+            <a:lightRig rig="threePt" dir="t">
+              <a:rot lat="0" lon="0" rev="1200000"/>
+            </a:lightRig>
+          </a:scene3d>
+          <a:sp3d>
+            <a:bevelT w="63500" h="25400"/>
+          </a:sp3d>
+        </a:effectStyle>
+      </a:effectStyleLst>
+      <a:bgFillStyleLst>
+        <a:solidFill>
+          <a:schemeClr val="phClr"/>
+        </a:solidFill>
+        <a:gradFill rotWithShape="1">
+          <a:gsLst>
+            <a:gs pos="0">
+              <a:schemeClr val="phClr">
+                <a:tint val="40000"/>
+                <a:satMod val="350000"/>
+              </a:schemeClr>
+            </a:gs>
+            <a:gs pos="40000">
+              <a:schemeClr val="phClr">
+                <a:tint val="45000"/>
+                <a:shade val="99000"/>
+                <a:satMod val="350000"/>
+              </a:schemeClr>
+            </a:gs>
+            <a:gs pos="100000">
+              <a:schemeClr val="phClr">
+                <a:shade val="20000"/>
+                <a:satMod val="255000"/>
+              </a:schemeClr>
+            </a:gs>
+          </a:gsLst>
+          <a:path path="circle">
+            <a:fillToRect l="50000" t="-80000" r="50000" b="180000"/>
+          </a:path>
+        </a:gradFill>
+        <a:gradFill rotWithShape="1">
+          <a:gsLst>
+            <a:gs pos="0">
+              <a:schemeClr val="phClr">
+                <a:tint val="80000"/>
+                <a:satMod val="300000"/>
+              </a:schemeClr>
+            </a:gs>
+            <a:gs pos="100000">
+              <a:schemeClr val="phClr">
+                <a:shade val="30000"/>
+                <a:satMod val="200000"/>
+              </a:schemeClr>
+            </a:gs>
+          </a:gsLst>
+          <a:path path="circle">
+            <a:fillToRect l="50000" t="50000" r="50000" b="50000"/>
+          </a:path>
+        </a:gradFill>
+      </a:bgFillStyleLst>
+    </a:fmtScheme>
+  </a:themeElements>
+</a:theme>
+</file>
+
+<file path=ppt/theme/theme2.xml><?xml version="1.0" encoding="utf-8"?>
 <a:theme xmlns:a="http://schemas.openxmlformats.org/drawingml/2006/main" xmlns:r="http://schemas.openxmlformats.org/officeDocument/2006/relationships" name="Beach Day">
   <a:themeElements>
     <a:clrScheme name="Beach Day">
@@ -12059,283 +12338,4 @@
     </a:fmtScheme>
   </a:themeElements>
 </a:theme>
-</file>
-
-<file path=ppt/theme/theme2.xml><?xml version="1.0" encoding="utf-8"?>
-<a:theme xmlns:a="http://schemas.openxmlformats.org/drawingml/2006/main" xmlns:r="http://schemas.openxmlformats.org/officeDocument/2006/relationships">
-  <a:themeElements>
-    <a:clrScheme name="Default">
-      <a:dk1>
-        <a:srgbClr val="000000"/>
-      </a:dk1>
-      <a:lt1>
-        <a:srgbClr val="FFFFFF"/>
-      </a:lt1>
-      <a:dk2>
-        <a:srgbClr val="158158"/>
-      </a:dk2>
-      <a:lt2>
-        <a:srgbClr val="F3F3F3"/>
-      </a:lt2>
-      <a:accent1>
-        <a:srgbClr val="058DC7"/>
-      </a:accent1>
-      <a:accent2>
-        <a:srgbClr val="50B432"/>
-      </a:accent2>
-      <a:accent3>
-        <a:srgbClr val="ED561B"/>
-      </a:accent3>
-      <a:accent4>
-        <a:srgbClr val="EDEF00"/>
-      </a:accent4>
-      <a:accent5>
-        <a:srgbClr val="24CBE5"/>
-      </a:accent5>
-      <a:accent6>
-        <a:srgbClr val="64E572"/>
-      </a:accent6>
-      <a:hlink>
-        <a:srgbClr val="2200CC"/>
-      </a:hlink>
-      <a:folHlink>
-        <a:srgbClr val="551A8B"/>
-      </a:folHlink>
-    </a:clrScheme>
-    <a:fontScheme name="Office">
-      <a:majorFont>
-        <a:latin typeface="Arial"/>
-        <a:ea typeface=""/>
-        <a:cs typeface=""/>
-        <a:font script="Jpan" typeface="ＭＳ Ｐゴシック"/>
-        <a:font script="Hang" typeface="맑은 고딕"/>
-        <a:font script="Hans" typeface="宋体"/>
-        <a:font script="Hant" typeface="新細明體"/>
-        <a:font script="Arab" typeface="Times New Roman"/>
-        <a:font script="Hebr" typeface="Times New Roman"/>
-        <a:font script="Thai" typeface="Angsana New"/>
-        <a:font script="Ethi" typeface="Nyala"/>
-        <a:font script="Beng" typeface="Vrinda"/>
-        <a:font script="Gujr" typeface="Shruti"/>
-        <a:font script="Khmr" typeface="MoolBoran"/>
-        <a:font script="Knda" typeface="Tunga"/>
-        <a:font script="Guru" typeface="Raavi"/>
-        <a:font script="Cans" typeface="Euphemia"/>
-        <a:font script="Cher" typeface="Plantagenet Cherokee"/>
-        <a:font script="Yiii" typeface="Microsoft Yi Baiti"/>
-        <a:font script="Tibt" typeface="Microsoft Himalaya"/>
-        <a:font script="Thaa" typeface="MV Boli"/>
-        <a:font script="Deva" typeface="Mangal"/>
-        <a:font script="Telu" typeface="Gautami"/>
-        <a:font script="Taml" typeface="Latha"/>
-        <a:font script="Syrc" typeface="Estrangelo Edessa"/>
-        <a:font script="Orya" typeface="Kalinga"/>
-        <a:font script="Mlym" typeface="Kartika"/>
-        <a:font script="Laoo" typeface="DokChampa"/>
-        <a:font script="Sinh" typeface="Iskoola Pota"/>
-        <a:font script="Mong" typeface="Mongolian Baiti"/>
-        <a:font script="Viet" typeface="Times New Roman"/>
-        <a:font script="Uigh" typeface="Microsoft Uighur"/>
-        <a:font script="Geor" typeface="Sylfaen"/>
-      </a:majorFont>
-      <a:minorFont>
-        <a:latin typeface="Arial"/>
-        <a:ea typeface=""/>
-        <a:cs typeface=""/>
-        <a:font script="Jpan" typeface="ＭＳ Ｐゴシック"/>
-        <a:font script="Hang" typeface="맑은 고딕"/>
-        <a:font script="Hans" typeface="宋体"/>
-        <a:font script="Hant" typeface="新細明體"/>
-        <a:font script="Arab" typeface="Arial"/>
-        <a:font script="Hebr" typeface="Arial"/>
-        <a:font script="Thai" typeface="Cordia New"/>
-        <a:font script="Ethi" typeface="Nyala"/>
-        <a:font script="Beng" typeface="Vrinda"/>
-        <a:font script="Gujr" typeface="Shruti"/>
-        <a:font script="Khmr" typeface="DaunPenh"/>
-        <a:font script="Knda" typeface="Tunga"/>
-        <a:font script="Guru" typeface="Raavi"/>
-        <a:font script="Cans" typeface="Euphemia"/>
-        <a:font script="Cher" typeface="Plantagenet Cherokee"/>
-        <a:font script="Yiii" typeface="Microsoft Yi Baiti"/>
-        <a:font script="Tibt" typeface="Microsoft Himalaya"/>
-        <a:font script="Thaa" typeface="MV Boli"/>
-        <a:font script="Deva" typeface="Mangal"/>
-        <a:font script="Telu" typeface="Gautami"/>
-        <a:font script="Taml" typeface="Latha"/>
-        <a:font script="Syrc" typeface="Estrangelo Edessa"/>
-        <a:font script="Orya" typeface="Kalinga"/>
-        <a:font script="Mlym" typeface="Kartika"/>
-        <a:font script="Laoo" typeface="DokChampa"/>
-        <a:font script="Sinh" typeface="Iskoola Pota"/>
-        <a:font script="Mong" typeface="Mongolian Baiti"/>
-        <a:font script="Viet" typeface="Arial"/>
-        <a:font script="Uigh" typeface="Microsoft Uighur"/>
-        <a:font script="Geor" typeface="Sylfaen"/>
-      </a:minorFont>
-    </a:fontScheme>
-    <a:fmtScheme name="Office">
-      <a:fillStyleLst>
-        <a:solidFill>
-          <a:schemeClr val="phClr"/>
-        </a:solidFill>
-        <a:gradFill rotWithShape="1">
-          <a:gsLst>
-            <a:gs pos="0">
-              <a:schemeClr val="phClr">
-                <a:tint val="50000"/>
-                <a:satMod val="300000"/>
-              </a:schemeClr>
-            </a:gs>
-            <a:gs pos="35000">
-              <a:schemeClr val="phClr">
-                <a:tint val="37000"/>
-                <a:satMod val="300000"/>
-              </a:schemeClr>
-            </a:gs>
-            <a:gs pos="100000">
-              <a:schemeClr val="phClr">
-                <a:tint val="15000"/>
-                <a:satMod val="350000"/>
-              </a:schemeClr>
-            </a:gs>
-          </a:gsLst>
-          <a:lin ang="16200000" scaled="1"/>
-        </a:gradFill>
-        <a:gradFill rotWithShape="1">
-          <a:gsLst>
-            <a:gs pos="0">
-              <a:schemeClr val="phClr">
-                <a:tint val="100000"/>
-                <a:shade val="100000"/>
-                <a:satMod val="130000"/>
-              </a:schemeClr>
-            </a:gs>
-            <a:gs pos="100000">
-              <a:schemeClr val="phClr">
-                <a:tint val="50000"/>
-                <a:shade val="100000"/>
-                <a:satMod val="350000"/>
-              </a:schemeClr>
-            </a:gs>
-          </a:gsLst>
-          <a:lin ang="16200000" scaled="0"/>
-        </a:gradFill>
-      </a:fillStyleLst>
-      <a:lnStyleLst>
-        <a:ln w="9525" cap="flat" cmpd="sng" algn="ctr">
-          <a:solidFill>
-            <a:schemeClr val="phClr">
-              <a:shade val="95000"/>
-              <a:satMod val="105000"/>
-            </a:schemeClr>
-          </a:solidFill>
-          <a:prstDash val="solid"/>
-        </a:ln>
-        <a:ln w="25400" cap="flat" cmpd="sng" algn="ctr">
-          <a:solidFill>
-            <a:schemeClr val="phClr"/>
-          </a:solidFill>
-          <a:prstDash val="solid"/>
-        </a:ln>
-        <a:ln w="38100" cap="flat" cmpd="sng" algn="ctr">
-          <a:solidFill>
-            <a:schemeClr val="phClr"/>
-          </a:solidFill>
-          <a:prstDash val="solid"/>
-        </a:ln>
-      </a:lnStyleLst>
-      <a:effectStyleLst>
-        <a:effectStyle>
-          <a:effectLst>
-            <a:outerShdw blurRad="40000" dist="20000" dir="5400000" rotWithShape="0">
-              <a:srgbClr val="000000">
-                <a:alpha val="38000"/>
-              </a:srgbClr>
-            </a:outerShdw>
-          </a:effectLst>
-        </a:effectStyle>
-        <a:effectStyle>
-          <a:effectLst>
-            <a:outerShdw blurRad="40000" dist="23000" dir="5400000" rotWithShape="0">
-              <a:srgbClr val="000000">
-                <a:alpha val="35000"/>
-              </a:srgbClr>
-            </a:outerShdw>
-          </a:effectLst>
-        </a:effectStyle>
-        <a:effectStyle>
-          <a:effectLst>
-            <a:outerShdw blurRad="40000" dist="23000" dir="5400000" rotWithShape="0">
-              <a:srgbClr val="000000">
-                <a:alpha val="35000"/>
-              </a:srgbClr>
-            </a:outerShdw>
-          </a:effectLst>
-          <a:scene3d>
-            <a:camera prst="orthographicFront">
-              <a:rot lat="0" lon="0" rev="0"/>
-            </a:camera>
-            <a:lightRig rig="threePt" dir="t">
-              <a:rot lat="0" lon="0" rev="1200000"/>
-            </a:lightRig>
-          </a:scene3d>
-          <a:sp3d>
-            <a:bevelT w="63500" h="25400"/>
-          </a:sp3d>
-        </a:effectStyle>
-      </a:effectStyleLst>
-      <a:bgFillStyleLst>
-        <a:solidFill>
-          <a:schemeClr val="phClr"/>
-        </a:solidFill>
-        <a:gradFill rotWithShape="1">
-          <a:gsLst>
-            <a:gs pos="0">
-              <a:schemeClr val="phClr">
-                <a:tint val="40000"/>
-                <a:satMod val="350000"/>
-              </a:schemeClr>
-            </a:gs>
-            <a:gs pos="40000">
-              <a:schemeClr val="phClr">
-                <a:tint val="45000"/>
-                <a:shade val="99000"/>
-                <a:satMod val="350000"/>
-              </a:schemeClr>
-            </a:gs>
-            <a:gs pos="100000">
-              <a:schemeClr val="phClr">
-                <a:shade val="20000"/>
-                <a:satMod val="255000"/>
-              </a:schemeClr>
-            </a:gs>
-          </a:gsLst>
-          <a:path path="circle">
-            <a:fillToRect l="50000" t="-80000" r="50000" b="180000"/>
-          </a:path>
-        </a:gradFill>
-        <a:gradFill rotWithShape="1">
-          <a:gsLst>
-            <a:gs pos="0">
-              <a:schemeClr val="phClr">
-                <a:tint val="80000"/>
-                <a:satMod val="300000"/>
-              </a:schemeClr>
-            </a:gs>
-            <a:gs pos="100000">
-              <a:schemeClr val="phClr">
-                <a:shade val="30000"/>
-                <a:satMod val="200000"/>
-              </a:schemeClr>
-            </a:gs>
-          </a:gsLst>
-          <a:path path="circle">
-            <a:fillToRect l="50000" t="50000" r="50000" b="50000"/>
-          </a:path>
-        </a:gradFill>
-      </a:bgFillStyleLst>
-    </a:fmtScheme>
-  </a:themeElements>
-</a:theme>
 </file>
--- a/assets/files/Tema4/4. Selección de características.pptx
+++ b/assets/files/Tema4/4. Selección de características.pptx
@@ -27,25 +27,21 @@
     <p:sldId id="272" r:id="rId22"/>
     <p:sldId id="273" r:id="rId23"/>
     <p:sldId id="274" r:id="rId24"/>
-    <p:sldId id="275" r:id="rId25"/>
-    <p:sldId id="276" r:id="rId26"/>
-    <p:sldId id="277" r:id="rId27"/>
-    <p:sldId id="278" r:id="rId28"/>
   </p:sldIdLst>
   <p:sldSz cy="5143500" cx="9144000"/>
   <p:notesSz cx="6858000" cy="9144000"/>
   <p:embeddedFontLst>
     <p:embeddedFont>
       <p:font typeface="Amatic SC"/>
-      <p:regular r:id="rId29"/>
-      <p:bold r:id="rId30"/>
+      <p:regular r:id="rId25"/>
+      <p:bold r:id="rId26"/>
     </p:embeddedFont>
     <p:embeddedFont>
       <p:font typeface="Source Code Pro"/>
-      <p:regular r:id="rId31"/>
-      <p:bold r:id="rId32"/>
-      <p:italic r:id="rId33"/>
-      <p:boldItalic r:id="rId34"/>
+      <p:regular r:id="rId27"/>
+      <p:bold r:id="rId28"/>
+      <p:italic r:id="rId29"/>
+      <p:boldItalic r:id="rId30"/>
     </p:embeddedFont>
   </p:embeddedFontLst>
   <p:defaultTextStyle>
@@ -826,7 +822,7 @@
   <p:cSld>
     <p:spTree>
       <p:nvGrpSpPr>
-        <p:cNvPr id="116" name="Shape 116"/>
+        <p:cNvPr id="117" name="Shape 117"/>
         <p:cNvGrpSpPr/>
         <p:nvPr/>
       </p:nvGrpSpPr>
@@ -840,7 +836,7 @@
       </p:grpSpPr>
       <p:sp>
         <p:nvSpPr>
-          <p:cNvPr id="117" name="Google Shape;117;ga8057105ec_0_25:notes"/>
+          <p:cNvPr id="118" name="Google Shape;118;ga8057105ec_0_25:notes"/>
           <p:cNvSpPr/>
           <p:nvPr>
             <p:ph idx="2" type="sldImg"/>
@@ -875,7 +871,7 @@
       </p:sp>
       <p:sp>
         <p:nvSpPr>
-          <p:cNvPr id="118" name="Google Shape;118;ga8057105ec_0_25:notes"/>
+          <p:cNvPr id="119" name="Google Shape;119;ga8057105ec_0_25:notes"/>
           <p:cNvSpPr txBox="1"/>
           <p:nvPr>
             <p:ph idx="1" type="body"/>
@@ -925,7 +921,7 @@
   <p:cSld>
     <p:spTree>
       <p:nvGrpSpPr>
-        <p:cNvPr id="125" name="Shape 125"/>
+        <p:cNvPr id="126" name="Shape 126"/>
         <p:cNvGrpSpPr/>
         <p:nvPr/>
       </p:nvGrpSpPr>
@@ -939,7 +935,7 @@
       </p:grpSpPr>
       <p:sp>
         <p:nvSpPr>
-          <p:cNvPr id="126" name="Google Shape;126;ga8057105ec_0_12:notes"/>
+          <p:cNvPr id="127" name="Google Shape;127;ga8057105ec_0_12:notes"/>
           <p:cNvSpPr/>
           <p:nvPr>
             <p:ph idx="2" type="sldImg"/>
@@ -974,7 +970,7 @@
       </p:sp>
       <p:sp>
         <p:nvSpPr>
-          <p:cNvPr id="127" name="Google Shape;127;ga8057105ec_0_12:notes"/>
+          <p:cNvPr id="128" name="Google Shape;128;ga8057105ec_0_12:notes"/>
           <p:cNvSpPr txBox="1"/>
           <p:nvPr>
             <p:ph idx="1" type="body"/>
@@ -1024,7 +1020,7 @@
   <p:cSld>
     <p:spTree>
       <p:nvGrpSpPr>
-        <p:cNvPr id="133" name="Shape 133"/>
+        <p:cNvPr id="134" name="Shape 134"/>
         <p:cNvGrpSpPr/>
         <p:nvPr/>
       </p:nvGrpSpPr>
@@ -1038,7 +1034,7 @@
       </p:grpSpPr>
       <p:sp>
         <p:nvSpPr>
-          <p:cNvPr id="134" name="Google Shape;134;gb25b1fafe9_0_0:notes"/>
+          <p:cNvPr id="135" name="Google Shape;135;ga8057105ec_0_34:notes"/>
           <p:cNvSpPr/>
           <p:nvPr>
             <p:ph idx="2" type="sldImg"/>
@@ -1073,7 +1069,7 @@
       </p:sp>
       <p:sp>
         <p:nvSpPr>
-          <p:cNvPr id="135" name="Google Shape;135;gb25b1fafe9_0_0:notes"/>
+          <p:cNvPr id="136" name="Google Shape;136;ga8057105ec_0_34:notes"/>
           <p:cNvSpPr txBox="1"/>
           <p:nvPr>
             <p:ph idx="1" type="body"/>
@@ -1123,7 +1119,7 @@
   <p:cSld>
     <p:spTree>
       <p:nvGrpSpPr>
-        <p:cNvPr id="138" name="Shape 138"/>
+        <p:cNvPr id="139" name="Shape 139"/>
         <p:cNvGrpSpPr/>
         <p:nvPr/>
       </p:nvGrpSpPr>
@@ -1137,7 +1133,7 @@
       </p:grpSpPr>
       <p:sp>
         <p:nvSpPr>
-          <p:cNvPr id="139" name="Google Shape;139;gb1e8d462aa_0_77:notes"/>
+          <p:cNvPr id="140" name="Google Shape;140;ga8057105ec_0_46:notes"/>
           <p:cNvSpPr/>
           <p:nvPr>
             <p:ph idx="2" type="sldImg"/>
@@ -1172,7 +1168,7 @@
       </p:sp>
       <p:sp>
         <p:nvSpPr>
-          <p:cNvPr id="140" name="Google Shape;140;gb1e8d462aa_0_77:notes"/>
+          <p:cNvPr id="141" name="Google Shape;141;ga8057105ec_0_46:notes"/>
           <p:cNvSpPr txBox="1"/>
           <p:nvPr>
             <p:ph idx="1" type="body"/>
@@ -1222,7 +1218,7 @@
   <p:cSld>
     <p:spTree>
       <p:nvGrpSpPr>
-        <p:cNvPr id="144" name="Shape 144"/>
+        <p:cNvPr id="147" name="Shape 147"/>
         <p:cNvGrpSpPr/>
         <p:nvPr/>
       </p:nvGrpSpPr>
@@ -1236,7 +1232,7 @@
       </p:grpSpPr>
       <p:sp>
         <p:nvSpPr>
-          <p:cNvPr id="145" name="Google Shape;145;ga8057105ec_0_34:notes"/>
+          <p:cNvPr id="148" name="Google Shape;148;ga8057105ec_0_57:notes"/>
           <p:cNvSpPr/>
           <p:nvPr>
             <p:ph idx="2" type="sldImg"/>
@@ -1271,7 +1267,7 @@
       </p:sp>
       <p:sp>
         <p:nvSpPr>
-          <p:cNvPr id="146" name="Google Shape;146;ga8057105ec_0_34:notes"/>
+          <p:cNvPr id="149" name="Google Shape;149;ga8057105ec_0_57:notes"/>
           <p:cNvSpPr txBox="1"/>
           <p:nvPr>
             <p:ph idx="1" type="body"/>
@@ -1321,7 +1317,7 @@
   <p:cSld>
     <p:spTree>
       <p:nvGrpSpPr>
-        <p:cNvPr id="149" name="Shape 149"/>
+        <p:cNvPr id="154" name="Shape 154"/>
         <p:cNvGrpSpPr/>
         <p:nvPr/>
       </p:nvGrpSpPr>
@@ -1335,7 +1331,7 @@
       </p:grpSpPr>
       <p:sp>
         <p:nvSpPr>
-          <p:cNvPr id="150" name="Google Shape;150;ga8057105ec_0_46:notes"/>
+          <p:cNvPr id="155" name="Google Shape;155;ga8057105ec_0_66:notes"/>
           <p:cNvSpPr/>
           <p:nvPr>
             <p:ph idx="2" type="sldImg"/>
@@ -1370,7 +1366,7 @@
       </p:sp>
       <p:sp>
         <p:nvSpPr>
-          <p:cNvPr id="151" name="Google Shape;151;ga8057105ec_0_46:notes"/>
+          <p:cNvPr id="156" name="Google Shape;156;ga8057105ec_0_66:notes"/>
           <p:cNvSpPr txBox="1"/>
           <p:nvPr>
             <p:ph idx="1" type="body"/>
@@ -1420,7 +1416,7 @@
   <p:cSld>
     <p:spTree>
       <p:nvGrpSpPr>
-        <p:cNvPr id="157" name="Shape 157"/>
+        <p:cNvPr id="162" name="Shape 162"/>
         <p:cNvGrpSpPr/>
         <p:nvPr/>
       </p:nvGrpSpPr>
@@ -1434,7 +1430,7 @@
       </p:grpSpPr>
       <p:sp>
         <p:nvSpPr>
-          <p:cNvPr id="158" name="Google Shape;158;ga8057105ec_0_57:notes"/>
+          <p:cNvPr id="163" name="Google Shape;163;ga8057105ec_0_75:notes"/>
           <p:cNvSpPr/>
           <p:nvPr>
             <p:ph idx="2" type="sldImg"/>
@@ -1469,7 +1465,7 @@
       </p:sp>
       <p:sp>
         <p:nvSpPr>
-          <p:cNvPr id="159" name="Google Shape;159;ga8057105ec_0_57:notes"/>
+          <p:cNvPr id="164" name="Google Shape;164;ga8057105ec_0_75:notes"/>
           <p:cNvSpPr txBox="1"/>
           <p:nvPr>
             <p:ph idx="1" type="body"/>
@@ -1519,7 +1515,7 @@
   <p:cSld>
     <p:spTree>
       <p:nvGrpSpPr>
-        <p:cNvPr id="164" name="Shape 164"/>
+        <p:cNvPr id="167" name="Shape 167"/>
         <p:cNvGrpSpPr/>
         <p:nvPr/>
       </p:nvGrpSpPr>
@@ -1533,7 +1529,7 @@
       </p:grpSpPr>
       <p:sp>
         <p:nvSpPr>
-          <p:cNvPr id="165" name="Google Shape;165;ga8057105ec_0_66:notes"/>
+          <p:cNvPr id="168" name="Google Shape;168;ga8057105ec_0_79:notes"/>
           <p:cNvSpPr/>
           <p:nvPr>
             <p:ph idx="2" type="sldImg"/>
@@ -1568,7 +1564,7 @@
       </p:sp>
       <p:sp>
         <p:nvSpPr>
-          <p:cNvPr id="166" name="Google Shape;166;ga8057105ec_0_66:notes"/>
+          <p:cNvPr id="169" name="Google Shape;169;ga8057105ec_0_79:notes"/>
           <p:cNvSpPr txBox="1"/>
           <p:nvPr>
             <p:ph idx="1" type="body"/>
@@ -1618,7 +1614,7 @@
   <p:cSld>
     <p:spTree>
       <p:nvGrpSpPr>
-        <p:cNvPr id="172" name="Shape 172"/>
+        <p:cNvPr id="176" name="Shape 176"/>
         <p:cNvGrpSpPr/>
         <p:nvPr/>
       </p:nvGrpSpPr>
@@ -1632,7 +1628,7 @@
       </p:grpSpPr>
       <p:sp>
         <p:nvSpPr>
-          <p:cNvPr id="173" name="Google Shape;173;gb1e8d462aa_0_87:notes"/>
+          <p:cNvPr id="177" name="Google Shape;177;gb0c947906a_0_1:notes"/>
           <p:cNvSpPr/>
           <p:nvPr>
             <p:ph idx="2" type="sldImg"/>
@@ -1667,7 +1663,7 @@
       </p:sp>
       <p:sp>
         <p:nvSpPr>
-          <p:cNvPr id="174" name="Google Shape;174;gb1e8d462aa_0_87:notes"/>
+          <p:cNvPr id="178" name="Google Shape;178;gb0c947906a_0_1:notes"/>
           <p:cNvSpPr txBox="1"/>
           <p:nvPr>
             <p:ph idx="1" type="body"/>
@@ -1717,7 +1713,7 @@
   <p:cSld>
     <p:spTree>
       <p:nvGrpSpPr>
-        <p:cNvPr id="178" name="Shape 178"/>
+        <p:cNvPr id="182" name="Shape 182"/>
         <p:cNvGrpSpPr/>
         <p:nvPr/>
       </p:nvGrpSpPr>
@@ -1731,7 +1727,7 @@
       </p:grpSpPr>
       <p:sp>
         <p:nvSpPr>
-          <p:cNvPr id="179" name="Google Shape;179;ga8057105ec_0_75:notes"/>
+          <p:cNvPr id="183" name="Google Shape;183;ga8057105ec_0_88:notes"/>
           <p:cNvSpPr/>
           <p:nvPr>
             <p:ph idx="2" type="sldImg"/>
@@ -1766,7 +1762,7 @@
       </p:sp>
       <p:sp>
         <p:nvSpPr>
-          <p:cNvPr id="180" name="Google Shape;180;ga8057105ec_0_75:notes"/>
+          <p:cNvPr id="184" name="Google Shape;184;ga8057105ec_0_88:notes"/>
           <p:cNvSpPr txBox="1"/>
           <p:nvPr>
             <p:ph idx="1" type="body"/>
@@ -1910,402 +1906,6 @@
 </p:notes>
 </file>
 
-<file path=ppt/notesSlides/notesSlide20.xml><?xml version="1.0" encoding="utf-8"?>
-<p:notes xmlns:a="http://schemas.openxmlformats.org/drawingml/2006/main" xmlns:r="http://schemas.openxmlformats.org/officeDocument/2006/relationships" xmlns:mc="http://schemas.openxmlformats.org/markup-compatibility/2006" xmlns:mv="urn:schemas-microsoft-com:mac:vml" xmlns:p="http://schemas.openxmlformats.org/presentationml/2006/main" xmlns:c="http://schemas.openxmlformats.org/drawingml/2006/chart" xmlns:dgm="http://schemas.openxmlformats.org/drawingml/2006/diagram" xmlns:o="urn:schemas-microsoft-com:office:office" xmlns:v="urn:schemas-microsoft-com:vml" xmlns:pvml="urn:schemas-microsoft-com:office:powerpoint" xmlns:com="http://schemas.openxmlformats.org/drawingml/2006/compatibility" xmlns:p14="http://schemas.microsoft.com/office/powerpoint/2010/main" xmlns:p15="http://schemas.microsoft.com/office/powerpoint/2012/main" xmlns:ahyp="http://schemas.microsoft.com/office/drawing/2018/hyperlinkcolor" showMasterPhAnim="0" showMasterSp="0">
-  <p:cSld>
-    <p:spTree>
-      <p:nvGrpSpPr>
-        <p:cNvPr id="183" name="Shape 183"/>
-        <p:cNvGrpSpPr/>
-        <p:nvPr/>
-      </p:nvGrpSpPr>
-      <p:grpSpPr>
-        <a:xfrm>
-          <a:off x="0" y="0"/>
-          <a:ext cx="0" cy="0"/>
-          <a:chOff x="0" y="0"/>
-          <a:chExt cx="0" cy="0"/>
-        </a:xfrm>
-      </p:grpSpPr>
-      <p:sp>
-        <p:nvSpPr>
-          <p:cNvPr id="184" name="Google Shape;184;ga8057105ec_0_79:notes"/>
-          <p:cNvSpPr/>
-          <p:nvPr>
-            <p:ph idx="2" type="sldImg"/>
-          </p:nvPr>
-        </p:nvSpPr>
-        <p:spPr>
-          <a:xfrm>
-            <a:off x="381188" y="685800"/>
-            <a:ext cx="6096300" cy="3429000"/>
-          </a:xfrm>
-          <a:custGeom>
-            <a:rect b="b" l="l" r="r" t="t"/>
-            <a:pathLst>
-              <a:path extrusionOk="0" h="120000" w="120000">
-                <a:moveTo>
-                  <a:pt x="0" y="0"/>
-                </a:moveTo>
-                <a:lnTo>
-                  <a:pt x="120000" y="0"/>
-                </a:lnTo>
-                <a:lnTo>
-                  <a:pt x="120000" y="120000"/>
-                </a:lnTo>
-                <a:lnTo>
-                  <a:pt x="0" y="120000"/>
-                </a:lnTo>
-                <a:close/>
-              </a:path>
-            </a:pathLst>
-          </a:custGeom>
-        </p:spPr>
-      </p:sp>
-      <p:sp>
-        <p:nvSpPr>
-          <p:cNvPr id="185" name="Google Shape;185;ga8057105ec_0_79:notes"/>
-          <p:cNvSpPr txBox="1"/>
-          <p:nvPr>
-            <p:ph idx="1" type="body"/>
-          </p:nvPr>
-        </p:nvSpPr>
-        <p:spPr>
-          <a:xfrm>
-            <a:off x="685800" y="4343400"/>
-            <a:ext cx="5486400" cy="4114800"/>
-          </a:xfrm>
-          <a:prstGeom prst="rect">
-            <a:avLst/>
-          </a:prstGeom>
-        </p:spPr>
-        <p:txBody>
-          <a:bodyPr anchorCtr="0" anchor="t" bIns="91425" lIns="91425" spcFirstLastPara="1" rIns="91425" wrap="square" tIns="91425">
-            <a:noAutofit/>
-          </a:bodyPr>
-          <a:lstStyle/>
-          <a:p>
-            <a:pPr indent="0" lvl="0" marL="0" rtl="0" algn="l">
-              <a:spcBef>
-                <a:spcPts val="0"/>
-              </a:spcBef>
-              <a:spcAft>
-                <a:spcPts val="0"/>
-              </a:spcAft>
-              <a:buNone/>
-            </a:pPr>
-            <a:r>
-              <a:t/>
-            </a:r>
-            <a:endParaRPr/>
-          </a:p>
-        </p:txBody>
-      </p:sp>
-    </p:spTree>
-  </p:cSld>
-  <p:clrMapOvr>
-    <a:masterClrMapping/>
-  </p:clrMapOvr>
-</p:notes>
-</file>
-
-<file path=ppt/notesSlides/notesSlide21.xml><?xml version="1.0" encoding="utf-8"?>
-<p:notes xmlns:a="http://schemas.openxmlformats.org/drawingml/2006/main" xmlns:r="http://schemas.openxmlformats.org/officeDocument/2006/relationships" xmlns:mc="http://schemas.openxmlformats.org/markup-compatibility/2006" xmlns:mv="urn:schemas-microsoft-com:mac:vml" xmlns:p="http://schemas.openxmlformats.org/presentationml/2006/main" xmlns:c="http://schemas.openxmlformats.org/drawingml/2006/chart" xmlns:dgm="http://schemas.openxmlformats.org/drawingml/2006/diagram" xmlns:o="urn:schemas-microsoft-com:office:office" xmlns:v="urn:schemas-microsoft-com:vml" xmlns:pvml="urn:schemas-microsoft-com:office:powerpoint" xmlns:com="http://schemas.openxmlformats.org/drawingml/2006/compatibility" xmlns:p14="http://schemas.microsoft.com/office/powerpoint/2010/main" xmlns:p15="http://schemas.microsoft.com/office/powerpoint/2012/main" xmlns:ahyp="http://schemas.microsoft.com/office/drawing/2018/hyperlinkcolor" showMasterPhAnim="0" showMasterSp="0">
-  <p:cSld>
-    <p:spTree>
-      <p:nvGrpSpPr>
-        <p:cNvPr id="192" name="Shape 192"/>
-        <p:cNvGrpSpPr/>
-        <p:nvPr/>
-      </p:nvGrpSpPr>
-      <p:grpSpPr>
-        <a:xfrm>
-          <a:off x="0" y="0"/>
-          <a:ext cx="0" cy="0"/>
-          <a:chOff x="0" y="0"/>
-          <a:chExt cx="0" cy="0"/>
-        </a:xfrm>
-      </p:grpSpPr>
-      <p:sp>
-        <p:nvSpPr>
-          <p:cNvPr id="193" name="Google Shape;193;gb0c947906a_0_1:notes"/>
-          <p:cNvSpPr/>
-          <p:nvPr>
-            <p:ph idx="2" type="sldImg"/>
-          </p:nvPr>
-        </p:nvSpPr>
-        <p:spPr>
-          <a:xfrm>
-            <a:off x="381188" y="685800"/>
-            <a:ext cx="6096300" cy="3429000"/>
-          </a:xfrm>
-          <a:custGeom>
-            <a:rect b="b" l="l" r="r" t="t"/>
-            <a:pathLst>
-              <a:path extrusionOk="0" h="120000" w="120000">
-                <a:moveTo>
-                  <a:pt x="0" y="0"/>
-                </a:moveTo>
-                <a:lnTo>
-                  <a:pt x="120000" y="0"/>
-                </a:lnTo>
-                <a:lnTo>
-                  <a:pt x="120000" y="120000"/>
-                </a:lnTo>
-                <a:lnTo>
-                  <a:pt x="0" y="120000"/>
-                </a:lnTo>
-                <a:close/>
-              </a:path>
-            </a:pathLst>
-          </a:custGeom>
-        </p:spPr>
-      </p:sp>
-      <p:sp>
-        <p:nvSpPr>
-          <p:cNvPr id="194" name="Google Shape;194;gb0c947906a_0_1:notes"/>
-          <p:cNvSpPr txBox="1"/>
-          <p:nvPr>
-            <p:ph idx="1" type="body"/>
-          </p:nvPr>
-        </p:nvSpPr>
-        <p:spPr>
-          <a:xfrm>
-            <a:off x="685800" y="4343400"/>
-            <a:ext cx="5486400" cy="4114800"/>
-          </a:xfrm>
-          <a:prstGeom prst="rect">
-            <a:avLst/>
-          </a:prstGeom>
-        </p:spPr>
-        <p:txBody>
-          <a:bodyPr anchorCtr="0" anchor="t" bIns="91425" lIns="91425" spcFirstLastPara="1" rIns="91425" wrap="square" tIns="91425">
-            <a:noAutofit/>
-          </a:bodyPr>
-          <a:lstStyle/>
-          <a:p>
-            <a:pPr indent="0" lvl="0" marL="0" rtl="0" algn="l">
-              <a:spcBef>
-                <a:spcPts val="0"/>
-              </a:spcBef>
-              <a:spcAft>
-                <a:spcPts val="0"/>
-              </a:spcAft>
-              <a:buNone/>
-            </a:pPr>
-            <a:r>
-              <a:t/>
-            </a:r>
-            <a:endParaRPr/>
-          </a:p>
-        </p:txBody>
-      </p:sp>
-    </p:spTree>
-  </p:cSld>
-  <p:clrMapOvr>
-    <a:masterClrMapping/>
-  </p:clrMapOvr>
-</p:notes>
-</file>
-
-<file path=ppt/notesSlides/notesSlide22.xml><?xml version="1.0" encoding="utf-8"?>
-<p:notes xmlns:a="http://schemas.openxmlformats.org/drawingml/2006/main" xmlns:r="http://schemas.openxmlformats.org/officeDocument/2006/relationships" xmlns:mc="http://schemas.openxmlformats.org/markup-compatibility/2006" xmlns:mv="urn:schemas-microsoft-com:mac:vml" xmlns:p="http://schemas.openxmlformats.org/presentationml/2006/main" xmlns:c="http://schemas.openxmlformats.org/drawingml/2006/chart" xmlns:dgm="http://schemas.openxmlformats.org/drawingml/2006/diagram" xmlns:o="urn:schemas-microsoft-com:office:office" xmlns:v="urn:schemas-microsoft-com:vml" xmlns:pvml="urn:schemas-microsoft-com:office:powerpoint" xmlns:com="http://schemas.openxmlformats.org/drawingml/2006/compatibility" xmlns:p14="http://schemas.microsoft.com/office/powerpoint/2010/main" xmlns:p15="http://schemas.microsoft.com/office/powerpoint/2012/main" xmlns:ahyp="http://schemas.microsoft.com/office/drawing/2018/hyperlinkcolor" showMasterPhAnim="0" showMasterSp="0">
-  <p:cSld>
-    <p:spTree>
-      <p:nvGrpSpPr>
-        <p:cNvPr id="198" name="Shape 198"/>
-        <p:cNvGrpSpPr/>
-        <p:nvPr/>
-      </p:nvGrpSpPr>
-      <p:grpSpPr>
-        <a:xfrm>
-          <a:off x="0" y="0"/>
-          <a:ext cx="0" cy="0"/>
-          <a:chOff x="0" y="0"/>
-          <a:chExt cx="0" cy="0"/>
-        </a:xfrm>
-      </p:grpSpPr>
-      <p:sp>
-        <p:nvSpPr>
-          <p:cNvPr id="199" name="Google Shape;199;ga8057105ec_0_88:notes"/>
-          <p:cNvSpPr/>
-          <p:nvPr>
-            <p:ph idx="2" type="sldImg"/>
-          </p:nvPr>
-        </p:nvSpPr>
-        <p:spPr>
-          <a:xfrm>
-            <a:off x="381188" y="685800"/>
-            <a:ext cx="6096300" cy="3429000"/>
-          </a:xfrm>
-          <a:custGeom>
-            <a:rect b="b" l="l" r="r" t="t"/>
-            <a:pathLst>
-              <a:path extrusionOk="0" h="120000" w="120000">
-                <a:moveTo>
-                  <a:pt x="0" y="0"/>
-                </a:moveTo>
-                <a:lnTo>
-                  <a:pt x="120000" y="0"/>
-                </a:lnTo>
-                <a:lnTo>
-                  <a:pt x="120000" y="120000"/>
-                </a:lnTo>
-                <a:lnTo>
-                  <a:pt x="0" y="120000"/>
-                </a:lnTo>
-                <a:close/>
-              </a:path>
-            </a:pathLst>
-          </a:custGeom>
-        </p:spPr>
-      </p:sp>
-      <p:sp>
-        <p:nvSpPr>
-          <p:cNvPr id="200" name="Google Shape;200;ga8057105ec_0_88:notes"/>
-          <p:cNvSpPr txBox="1"/>
-          <p:nvPr>
-            <p:ph idx="1" type="body"/>
-          </p:nvPr>
-        </p:nvSpPr>
-        <p:spPr>
-          <a:xfrm>
-            <a:off x="685800" y="4343400"/>
-            <a:ext cx="5486400" cy="4114800"/>
-          </a:xfrm>
-          <a:prstGeom prst="rect">
-            <a:avLst/>
-          </a:prstGeom>
-        </p:spPr>
-        <p:txBody>
-          <a:bodyPr anchorCtr="0" anchor="t" bIns="91425" lIns="91425" spcFirstLastPara="1" rIns="91425" wrap="square" tIns="91425">
-            <a:noAutofit/>
-          </a:bodyPr>
-          <a:lstStyle/>
-          <a:p>
-            <a:pPr indent="0" lvl="0" marL="0" rtl="0" algn="l">
-              <a:spcBef>
-                <a:spcPts val="0"/>
-              </a:spcBef>
-              <a:spcAft>
-                <a:spcPts val="0"/>
-              </a:spcAft>
-              <a:buNone/>
-            </a:pPr>
-            <a:r>
-              <a:t/>
-            </a:r>
-            <a:endParaRPr/>
-          </a:p>
-        </p:txBody>
-      </p:sp>
-    </p:spTree>
-  </p:cSld>
-  <p:clrMapOvr>
-    <a:masterClrMapping/>
-  </p:clrMapOvr>
-</p:notes>
-</file>
-
-<file path=ppt/notesSlides/notesSlide23.xml><?xml version="1.0" encoding="utf-8"?>
-<p:notes xmlns:a="http://schemas.openxmlformats.org/drawingml/2006/main" xmlns:r="http://schemas.openxmlformats.org/officeDocument/2006/relationships" xmlns:mc="http://schemas.openxmlformats.org/markup-compatibility/2006" xmlns:mv="urn:schemas-microsoft-com:mac:vml" xmlns:p="http://schemas.openxmlformats.org/presentationml/2006/main" xmlns:c="http://schemas.openxmlformats.org/drawingml/2006/chart" xmlns:dgm="http://schemas.openxmlformats.org/drawingml/2006/diagram" xmlns:o="urn:schemas-microsoft-com:office:office" xmlns:v="urn:schemas-microsoft-com:vml" xmlns:pvml="urn:schemas-microsoft-com:office:powerpoint" xmlns:com="http://schemas.openxmlformats.org/drawingml/2006/compatibility" xmlns:p14="http://schemas.microsoft.com/office/powerpoint/2010/main" xmlns:p15="http://schemas.microsoft.com/office/powerpoint/2012/main" xmlns:ahyp="http://schemas.microsoft.com/office/drawing/2018/hyperlinkcolor" showMasterPhAnim="0" showMasterSp="0">
-  <p:cSld>
-    <p:spTree>
-      <p:nvGrpSpPr>
-        <p:cNvPr id="204" name="Shape 204"/>
-        <p:cNvGrpSpPr/>
-        <p:nvPr/>
-      </p:nvGrpSpPr>
-      <p:grpSpPr>
-        <a:xfrm>
-          <a:off x="0" y="0"/>
-          <a:ext cx="0" cy="0"/>
-          <a:chOff x="0" y="0"/>
-          <a:chExt cx="0" cy="0"/>
-        </a:xfrm>
-      </p:grpSpPr>
-      <p:sp>
-        <p:nvSpPr>
-          <p:cNvPr id="205" name="Google Shape;205;gb1e8d462aa_0_93:notes"/>
-          <p:cNvSpPr/>
-          <p:nvPr>
-            <p:ph idx="2" type="sldImg"/>
-          </p:nvPr>
-        </p:nvSpPr>
-        <p:spPr>
-          <a:xfrm>
-            <a:off x="381188" y="685800"/>
-            <a:ext cx="6096300" cy="3429000"/>
-          </a:xfrm>
-          <a:custGeom>
-            <a:rect b="b" l="l" r="r" t="t"/>
-            <a:pathLst>
-              <a:path extrusionOk="0" h="120000" w="120000">
-                <a:moveTo>
-                  <a:pt x="0" y="0"/>
-                </a:moveTo>
-                <a:lnTo>
-                  <a:pt x="120000" y="0"/>
-                </a:lnTo>
-                <a:lnTo>
-                  <a:pt x="120000" y="120000"/>
-                </a:lnTo>
-                <a:lnTo>
-                  <a:pt x="0" y="120000"/>
-                </a:lnTo>
-                <a:close/>
-              </a:path>
-            </a:pathLst>
-          </a:custGeom>
-        </p:spPr>
-      </p:sp>
-      <p:sp>
-        <p:nvSpPr>
-          <p:cNvPr id="206" name="Google Shape;206;gb1e8d462aa_0_93:notes"/>
-          <p:cNvSpPr txBox="1"/>
-          <p:nvPr>
-            <p:ph idx="1" type="body"/>
-          </p:nvPr>
-        </p:nvSpPr>
-        <p:spPr>
-          <a:xfrm>
-            <a:off x="685800" y="4343400"/>
-            <a:ext cx="5486400" cy="4114800"/>
-          </a:xfrm>
-          <a:prstGeom prst="rect">
-            <a:avLst/>
-          </a:prstGeom>
-        </p:spPr>
-        <p:txBody>
-          <a:bodyPr anchorCtr="0" anchor="t" bIns="91425" lIns="91425" spcFirstLastPara="1" rIns="91425" wrap="square" tIns="91425">
-            <a:noAutofit/>
-          </a:bodyPr>
-          <a:lstStyle/>
-          <a:p>
-            <a:pPr indent="0" lvl="0" marL="0" rtl="0" algn="l">
-              <a:spcBef>
-                <a:spcPts val="0"/>
-              </a:spcBef>
-              <a:spcAft>
-                <a:spcPts val="0"/>
-              </a:spcAft>
-              <a:buNone/>
-            </a:pPr>
-            <a:r>
-              <a:t/>
-            </a:r>
-            <a:endParaRPr/>
-          </a:p>
-        </p:txBody>
-      </p:sp>
-    </p:spTree>
-  </p:cSld>
-  <p:clrMapOvr>
-    <a:masterClrMapping/>
-  </p:clrMapOvr>
-</p:notes>
-</file>
-
 <file path=ppt/notesSlides/notesSlide3.xml><?xml version="1.0" encoding="utf-8"?>
 <p:notes xmlns:a="http://schemas.openxmlformats.org/drawingml/2006/main" xmlns:r="http://schemas.openxmlformats.org/officeDocument/2006/relationships" xmlns:mc="http://schemas.openxmlformats.org/markup-compatibility/2006" xmlns:mv="urn:schemas-microsoft-com:mac:vml" xmlns:p="http://schemas.openxmlformats.org/presentationml/2006/main" xmlns:c="http://schemas.openxmlformats.org/drawingml/2006/chart" xmlns:dgm="http://schemas.openxmlformats.org/drawingml/2006/diagram" xmlns:o="urn:schemas-microsoft-com:office:office" xmlns:v="urn:schemas-microsoft-com:vml" xmlns:pvml="urn:schemas-microsoft-com:office:powerpoint" xmlns:com="http://schemas.openxmlformats.org/drawingml/2006/compatibility" xmlns:p14="http://schemas.microsoft.com/office/powerpoint/2010/main" xmlns:p15="http://schemas.microsoft.com/office/powerpoint/2012/main" xmlns:ahyp="http://schemas.microsoft.com/office/drawing/2018/hyperlinkcolor" showMasterPhAnim="0" showMasterSp="0">
   <p:cSld>
@@ -2608,7 +2208,7 @@
   <p:cSld>
     <p:spTree>
       <p:nvGrpSpPr>
-        <p:cNvPr id="87" name="Shape 87"/>
+        <p:cNvPr id="89" name="Shape 89"/>
         <p:cNvGrpSpPr/>
         <p:nvPr/>
       </p:nvGrpSpPr>
@@ -2622,7 +2222,7 @@
       </p:grpSpPr>
       <p:sp>
         <p:nvSpPr>
-          <p:cNvPr id="88" name="Google Shape;88;gb1e8d462aa_0_6:notes"/>
+          <p:cNvPr id="90" name="Google Shape;90;gb40e6fc2cd_0_6:notes"/>
           <p:cNvSpPr/>
           <p:nvPr>
             <p:ph idx="2" type="sldImg"/>
@@ -2657,7 +2257,7 @@
       </p:sp>
       <p:sp>
         <p:nvSpPr>
-          <p:cNvPr id="89" name="Google Shape;89;gb1e8d462aa_0_6:notes"/>
+          <p:cNvPr id="91" name="Google Shape;91;gb40e6fc2cd_0_6:notes"/>
           <p:cNvSpPr txBox="1"/>
           <p:nvPr>
             <p:ph idx="1" type="body"/>
@@ -2721,7 +2321,7 @@
       </p:grpSpPr>
       <p:sp>
         <p:nvSpPr>
-          <p:cNvPr id="97" name="Google Shape;97;gb1e8d462aa_0_14:notes"/>
+          <p:cNvPr id="97" name="Google Shape;97;gb40e6fc2cd_0_20:notes"/>
           <p:cNvSpPr/>
           <p:nvPr>
             <p:ph idx="2" type="sldImg"/>
@@ -2756,7 +2356,7 @@
       </p:sp>
       <p:sp>
         <p:nvSpPr>
-          <p:cNvPr id="98" name="Google Shape;98;gb1e8d462aa_0_14:notes"/>
+          <p:cNvPr id="98" name="Google Shape;98;gb40e6fc2cd_0_20:notes"/>
           <p:cNvSpPr txBox="1"/>
           <p:nvPr>
             <p:ph idx="1" type="body"/>
@@ -2806,7 +2406,7 @@
   <p:cSld>
     <p:spTree>
       <p:nvGrpSpPr>
-        <p:cNvPr id="105" name="Shape 105"/>
+        <p:cNvPr id="103" name="Shape 103"/>
         <p:cNvGrpSpPr/>
         <p:nvPr/>
       </p:nvGrpSpPr>
@@ -2820,7 +2420,7 @@
       </p:grpSpPr>
       <p:sp>
         <p:nvSpPr>
-          <p:cNvPr id="106" name="Google Shape;106;gb1e8d462aa_0_69:notes"/>
+          <p:cNvPr id="104" name="Google Shape;104;gb1e8d462aa_0_69:notes"/>
           <p:cNvSpPr/>
           <p:nvPr>
             <p:ph idx="2" type="sldImg"/>
@@ -2855,7 +2455,7 @@
       </p:sp>
       <p:sp>
         <p:nvSpPr>
-          <p:cNvPr id="107" name="Google Shape;107;gb1e8d462aa_0_69:notes"/>
+          <p:cNvPr id="105" name="Google Shape;105;gb1e8d462aa_0_69:notes"/>
           <p:cNvSpPr txBox="1"/>
           <p:nvPr>
             <p:ph idx="1" type="body"/>
@@ -2905,7 +2505,7 @@
   <p:cSld>
     <p:spTree>
       <p:nvGrpSpPr>
-        <p:cNvPr id="111" name="Shape 111"/>
+        <p:cNvPr id="112" name="Shape 112"/>
         <p:cNvGrpSpPr/>
         <p:nvPr/>
       </p:nvGrpSpPr>
@@ -2919,7 +2519,7 @@
       </p:grpSpPr>
       <p:sp>
         <p:nvSpPr>
-          <p:cNvPr id="112" name="Google Shape;112;gc6f59039d_0_20:notes"/>
+          <p:cNvPr id="113" name="Google Shape;113;gc6f59039d_0_20:notes"/>
           <p:cNvSpPr/>
           <p:nvPr>
             <p:ph idx="2" type="sldImg"/>
@@ -2954,7 +2554,7 @@
       </p:sp>
       <p:sp>
         <p:nvSpPr>
-          <p:cNvPr id="113" name="Google Shape;113;gc6f59039d_0_20:notes"/>
+          <p:cNvPr id="114" name="Google Shape;114;gc6f59039d_0_20:notes"/>
           <p:cNvSpPr txBox="1"/>
           <p:nvPr>
             <p:ph idx="1" type="body"/>
@@ -8457,7 +8057,7 @@
   <p:cSld>
     <p:spTree>
       <p:nvGrpSpPr>
-        <p:cNvPr id="119" name="Shape 119"/>
+        <p:cNvPr id="120" name="Shape 120"/>
         <p:cNvGrpSpPr/>
         <p:nvPr/>
       </p:nvGrpSpPr>
@@ -8471,7 +8071,7 @@
       </p:grpSpPr>
       <p:sp>
         <p:nvSpPr>
-          <p:cNvPr id="120" name="Google Shape;120;p22"/>
+          <p:cNvPr id="121" name="Google Shape;121;p22"/>
           <p:cNvSpPr txBox="1"/>
           <p:nvPr>
             <p:ph type="title"/>
@@ -8511,7 +8111,7 @@
       </p:sp>
       <p:sp>
         <p:nvSpPr>
-          <p:cNvPr id="121" name="Google Shape;121;p22"/>
+          <p:cNvPr id="122" name="Google Shape;122;p22"/>
           <p:cNvSpPr txBox="1"/>
           <p:nvPr>
             <p:ph idx="1" type="body"/>
@@ -8551,7 +8151,7 @@
       </p:sp>
       <p:pic>
         <p:nvPicPr>
-          <p:cNvPr id="122" name="Google Shape;122;p22"/>
+          <p:cNvPr id="123" name="Google Shape;123;p22"/>
           <p:cNvPicPr preferRelativeResize="0"/>
           <p:nvPr/>
         </p:nvPicPr>
@@ -8579,7 +8179,7 @@
       </p:pic>
       <p:pic>
         <p:nvPicPr>
-          <p:cNvPr id="123" name="Google Shape;123;p22"/>
+          <p:cNvPr id="124" name="Google Shape;124;p22"/>
           <p:cNvPicPr preferRelativeResize="0"/>
           <p:nvPr/>
         </p:nvPicPr>
@@ -8607,7 +8207,7 @@
       </p:pic>
       <p:pic>
         <p:nvPicPr>
-          <p:cNvPr id="124" name="Google Shape;124;p22"/>
+          <p:cNvPr id="125" name="Google Shape;125;p22"/>
           <p:cNvPicPr preferRelativeResize="0"/>
           <p:nvPr/>
         </p:nvPicPr>
@@ -8646,7 +8246,7 @@
   <p:cSld>
     <p:spTree>
       <p:nvGrpSpPr>
-        <p:cNvPr id="128" name="Shape 128"/>
+        <p:cNvPr id="129" name="Shape 129"/>
         <p:cNvGrpSpPr/>
         <p:nvPr/>
       </p:nvGrpSpPr>
@@ -8660,7 +8260,7 @@
       </p:grpSpPr>
       <p:sp>
         <p:nvSpPr>
-          <p:cNvPr id="129" name="Google Shape;129;p23"/>
+          <p:cNvPr id="130" name="Google Shape;130;p23"/>
           <p:cNvSpPr txBox="1"/>
           <p:nvPr>
             <p:ph type="title"/>
@@ -8700,7 +8300,7 @@
       </p:sp>
       <p:sp>
         <p:nvSpPr>
-          <p:cNvPr id="130" name="Google Shape;130;p23"/>
+          <p:cNvPr id="131" name="Google Shape;131;p23"/>
           <p:cNvSpPr txBox="1"/>
           <p:nvPr>
             <p:ph idx="1" type="body"/>
@@ -8740,7 +8340,7 @@
       </p:sp>
       <p:pic>
         <p:nvPicPr>
-          <p:cNvPr id="131" name="Google Shape;131;p23"/>
+          <p:cNvPr id="132" name="Google Shape;132;p23"/>
           <p:cNvPicPr preferRelativeResize="0"/>
           <p:nvPr/>
         </p:nvPicPr>
@@ -8768,7 +8368,7 @@
       </p:pic>
       <p:pic>
         <p:nvPicPr>
-          <p:cNvPr id="132" name="Google Shape;132;p23"/>
+          <p:cNvPr id="133" name="Google Shape;133;p23"/>
           <p:cNvPicPr preferRelativeResize="0"/>
           <p:nvPr/>
         </p:nvPicPr>
@@ -8805,69 +8405,9 @@
 <file path=ppt/slides/slide12.xml><?xml version="1.0" encoding="utf-8"?>
 <p:sld xmlns:a="http://schemas.openxmlformats.org/drawingml/2006/main" xmlns:r="http://schemas.openxmlformats.org/officeDocument/2006/relationships" xmlns:mc="http://schemas.openxmlformats.org/markup-compatibility/2006" xmlns:mv="urn:schemas-microsoft-com:mac:vml" xmlns:p="http://schemas.openxmlformats.org/presentationml/2006/main" xmlns:c="http://schemas.openxmlformats.org/drawingml/2006/chart" xmlns:dgm="http://schemas.openxmlformats.org/drawingml/2006/diagram" xmlns:o="urn:schemas-microsoft-com:office:office" xmlns:v="urn:schemas-microsoft-com:vml" xmlns:pvml="urn:schemas-microsoft-com:office:powerpoint" xmlns:com="http://schemas.openxmlformats.org/drawingml/2006/compatibility" xmlns:p14="http://schemas.microsoft.com/office/powerpoint/2010/main" xmlns:p15="http://schemas.microsoft.com/office/powerpoint/2012/main" xmlns:ahyp="http://schemas.microsoft.com/office/drawing/2018/hyperlinkcolor">
   <p:cSld>
-    <p:bg>
-      <p:bgPr>
-        <a:solidFill>
-          <a:srgbClr val="0C343D"/>
-        </a:solidFill>
-      </p:bgPr>
-    </p:bg>
     <p:spTree>
       <p:nvGrpSpPr>
-        <p:cNvPr id="136" name="Shape 136"/>
-        <p:cNvGrpSpPr/>
-        <p:nvPr/>
-      </p:nvGrpSpPr>
-      <p:grpSpPr>
-        <a:xfrm>
-          <a:off x="0" y="0"/>
-          <a:ext cx="0" cy="0"/>
-          <a:chOff x="0" y="0"/>
-          <a:chExt cx="0" cy="0"/>
-        </a:xfrm>
-      </p:grpSpPr>
-      <p:pic>
-        <p:nvPicPr>
-          <p:cNvPr id="137" name="Google Shape;137;p24"/>
-          <p:cNvPicPr preferRelativeResize="0"/>
-          <p:nvPr/>
-        </p:nvPicPr>
-        <p:blipFill>
-          <a:blip r:embed="rId3">
-            <a:alphaModFix/>
-          </a:blip>
-          <a:stretch>
-            <a:fillRect/>
-          </a:stretch>
-        </p:blipFill>
-        <p:spPr>
-          <a:xfrm>
-            <a:off x="1828800" y="0"/>
-            <a:ext cx="5136662" cy="5143500"/>
-          </a:xfrm>
-          <a:prstGeom prst="rect">
-            <a:avLst/>
-          </a:prstGeom>
-          <a:noFill/>
-          <a:ln>
-            <a:noFill/>
-          </a:ln>
-        </p:spPr>
-      </p:pic>
-    </p:spTree>
-  </p:cSld>
-  <p:clrMapOvr>
-    <a:masterClrMapping/>
-  </p:clrMapOvr>
-</p:sld>
-</file>
-
-<file path=ppt/slides/slide13.xml><?xml version="1.0" encoding="utf-8"?>
-<p:sld xmlns:a="http://schemas.openxmlformats.org/drawingml/2006/main" xmlns:r="http://schemas.openxmlformats.org/officeDocument/2006/relationships" xmlns:mc="http://schemas.openxmlformats.org/markup-compatibility/2006" xmlns:mv="urn:schemas-microsoft-com:mac:vml" xmlns:p="http://schemas.openxmlformats.org/presentationml/2006/main" xmlns:c="http://schemas.openxmlformats.org/drawingml/2006/chart" xmlns:dgm="http://schemas.openxmlformats.org/drawingml/2006/diagram" xmlns:o="urn:schemas-microsoft-com:office:office" xmlns:v="urn:schemas-microsoft-com:vml" xmlns:pvml="urn:schemas-microsoft-com:office:powerpoint" xmlns:com="http://schemas.openxmlformats.org/drawingml/2006/compatibility" xmlns:p14="http://schemas.microsoft.com/office/powerpoint/2010/main" xmlns:p15="http://schemas.microsoft.com/office/powerpoint/2012/main" xmlns:ahyp="http://schemas.microsoft.com/office/drawing/2018/hyperlinkcolor">
-  <p:cSld>
-    <p:spTree>
-      <p:nvGrpSpPr>
-        <p:cNvPr id="141" name="Shape 141"/>
+        <p:cNvPr id="137" name="Shape 137"/>
         <p:cNvGrpSpPr/>
         <p:nvPr/>
       </p:nvGrpSpPr>
@@ -8881,124 +8421,7 @@
       </p:grpSpPr>
       <p:sp>
         <p:nvSpPr>
-          <p:cNvPr id="142" name="Google Shape;142;p25"/>
-          <p:cNvSpPr txBox="1"/>
-          <p:nvPr>
-            <p:ph type="title"/>
-          </p:nvPr>
-        </p:nvSpPr>
-        <p:spPr>
-          <a:xfrm>
-            <a:off x="311700" y="292850"/>
-            <a:ext cx="8520600" cy="801000"/>
-          </a:xfrm>
-          <a:prstGeom prst="rect">
-            <a:avLst/>
-          </a:prstGeom>
-        </p:spPr>
-        <p:txBody>
-          <a:bodyPr anchorCtr="0" anchor="t" bIns="91425" lIns="91425" spcFirstLastPara="1" rIns="91425" wrap="square" tIns="91425">
-            <a:noAutofit/>
-          </a:bodyPr>
-          <a:lstStyle/>
-          <a:p>
-            <a:pPr indent="0" lvl="0" marL="0" rtl="0" algn="l">
-              <a:spcBef>
-                <a:spcPts val="0"/>
-              </a:spcBef>
-              <a:spcAft>
-                <a:spcPts val="0"/>
-              </a:spcAft>
-              <a:buNone/>
-            </a:pPr>
-            <a:r>
-              <a:rPr lang="es" sz="4000"/>
-              <a:t>ejercicio: 4.3 Eliminacion_correlacion_EuroSAT.ipynb</a:t>
-            </a:r>
-            <a:endParaRPr sz="4000"/>
-          </a:p>
-        </p:txBody>
-      </p:sp>
-      <p:sp>
-        <p:nvSpPr>
-          <p:cNvPr id="143" name="Google Shape;143;p25"/>
-          <p:cNvSpPr txBox="1"/>
-          <p:nvPr>
-            <p:ph idx="1" type="body"/>
-          </p:nvPr>
-        </p:nvSpPr>
-        <p:spPr>
-          <a:xfrm>
-            <a:off x="311725" y="1152475"/>
-            <a:ext cx="3803700" cy="1826100"/>
-          </a:xfrm>
-          <a:prstGeom prst="rect">
-            <a:avLst/>
-          </a:prstGeom>
-        </p:spPr>
-        <p:txBody>
-          <a:bodyPr anchorCtr="0" anchor="t" bIns="91425" lIns="91425" spcFirstLastPara="1" rIns="91425" wrap="square" tIns="91425">
-            <a:noAutofit/>
-          </a:bodyPr>
-          <a:lstStyle/>
-          <a:p>
-            <a:pPr indent="-342900" lvl="0" marL="457200" rtl="0" algn="l">
-              <a:spcBef>
-                <a:spcPts val="0"/>
-              </a:spcBef>
-              <a:spcAft>
-                <a:spcPts val="0"/>
-              </a:spcAft>
-              <a:buClr>
-                <a:srgbClr val="000000"/>
-              </a:buClr>
-              <a:buSzPts val="1800"/>
-              <a:buChar char="●"/>
-            </a:pPr>
-            <a:r>
-              <a:rPr lang="es">
-                <a:solidFill>
-                  <a:srgbClr val="000000"/>
-                </a:solidFill>
-              </a:rPr>
-              <a:t>Abre el notebook y completa las líneas faltantes.</a:t>
-            </a:r>
-            <a:endParaRPr>
-              <a:solidFill>
-                <a:srgbClr val="000000"/>
-              </a:solidFill>
-            </a:endParaRPr>
-          </a:p>
-        </p:txBody>
-      </p:sp>
-    </p:spTree>
-  </p:cSld>
-  <p:clrMapOvr>
-    <a:masterClrMapping/>
-  </p:clrMapOvr>
-</p:sld>
-</file>
-
-<file path=ppt/slides/slide14.xml><?xml version="1.0" encoding="utf-8"?>
-<p:sld xmlns:a="http://schemas.openxmlformats.org/drawingml/2006/main" xmlns:r="http://schemas.openxmlformats.org/officeDocument/2006/relationships" xmlns:mc="http://schemas.openxmlformats.org/markup-compatibility/2006" xmlns:mv="urn:schemas-microsoft-com:mac:vml" xmlns:p="http://schemas.openxmlformats.org/presentationml/2006/main" xmlns:c="http://schemas.openxmlformats.org/drawingml/2006/chart" xmlns:dgm="http://schemas.openxmlformats.org/drawingml/2006/diagram" xmlns:o="urn:schemas-microsoft-com:office:office" xmlns:v="urn:schemas-microsoft-com:vml" xmlns:pvml="urn:schemas-microsoft-com:office:powerpoint" xmlns:com="http://schemas.openxmlformats.org/drawingml/2006/compatibility" xmlns:p14="http://schemas.microsoft.com/office/powerpoint/2010/main" xmlns:p15="http://schemas.microsoft.com/office/powerpoint/2012/main" xmlns:ahyp="http://schemas.microsoft.com/office/drawing/2018/hyperlinkcolor">
-  <p:cSld>
-    <p:spTree>
-      <p:nvGrpSpPr>
-        <p:cNvPr id="147" name="Shape 147"/>
-        <p:cNvGrpSpPr/>
-        <p:nvPr/>
-      </p:nvGrpSpPr>
-      <p:grpSpPr>
-        <a:xfrm>
-          <a:off x="0" y="0"/>
-          <a:ext cx="0" cy="0"/>
-          <a:chOff x="0" y="0"/>
-          <a:chExt cx="0" cy="0"/>
-        </a:xfrm>
-      </p:grpSpPr>
-      <p:sp>
-        <p:nvSpPr>
-          <p:cNvPr id="148" name="Google Shape;148;p26"/>
+          <p:cNvPr id="138" name="Google Shape;138;p24"/>
           <p:cNvSpPr txBox="1"/>
           <p:nvPr>
             <p:ph type="title"/>
@@ -9044,12 +8467,12 @@
 </p:sld>
 </file>
 
-<file path=ppt/slides/slide15.xml><?xml version="1.0" encoding="utf-8"?>
+<file path=ppt/slides/slide13.xml><?xml version="1.0" encoding="utf-8"?>
 <p:sld xmlns:a="http://schemas.openxmlformats.org/drawingml/2006/main" xmlns:r="http://schemas.openxmlformats.org/officeDocument/2006/relationships" xmlns:mc="http://schemas.openxmlformats.org/markup-compatibility/2006" xmlns:mv="urn:schemas-microsoft-com:mac:vml" xmlns:p="http://schemas.openxmlformats.org/presentationml/2006/main" xmlns:c="http://schemas.openxmlformats.org/drawingml/2006/chart" xmlns:dgm="http://schemas.openxmlformats.org/drawingml/2006/diagram" xmlns:o="urn:schemas-microsoft-com:office:office" xmlns:v="urn:schemas-microsoft-com:vml" xmlns:pvml="urn:schemas-microsoft-com:office:powerpoint" xmlns:com="http://schemas.openxmlformats.org/drawingml/2006/compatibility" xmlns:p14="http://schemas.microsoft.com/office/powerpoint/2010/main" xmlns:p15="http://schemas.microsoft.com/office/powerpoint/2012/main" xmlns:ahyp="http://schemas.microsoft.com/office/drawing/2018/hyperlinkcolor">
   <p:cSld>
     <p:spTree>
       <p:nvGrpSpPr>
-        <p:cNvPr id="152" name="Shape 152"/>
+        <p:cNvPr id="142" name="Shape 142"/>
         <p:cNvGrpSpPr/>
         <p:nvPr/>
       </p:nvGrpSpPr>
@@ -9063,7 +8486,7 @@
       </p:grpSpPr>
       <p:sp>
         <p:nvSpPr>
-          <p:cNvPr id="153" name="Google Shape;153;p27"/>
+          <p:cNvPr id="143" name="Google Shape;143;p25"/>
           <p:cNvSpPr txBox="1"/>
           <p:nvPr>
             <p:ph type="title"/>
@@ -9103,7 +8526,7 @@
       </p:sp>
       <p:sp>
         <p:nvSpPr>
-          <p:cNvPr id="154" name="Google Shape;154;p27"/>
+          <p:cNvPr id="144" name="Google Shape;144;p25"/>
           <p:cNvSpPr txBox="1"/>
           <p:nvPr>
             <p:ph idx="1" type="body"/>
@@ -9169,7 +8592,7 @@
       </p:sp>
       <p:pic>
         <p:nvPicPr>
-          <p:cNvPr id="155" name="Google Shape;155;p27"/>
+          <p:cNvPr id="145" name="Google Shape;145;p25"/>
           <p:cNvPicPr preferRelativeResize="0"/>
           <p:nvPr/>
         </p:nvPicPr>
@@ -9197,7 +8620,7 @@
       </p:pic>
       <p:pic>
         <p:nvPicPr>
-          <p:cNvPr id="156" name="Google Shape;156;p27"/>
+          <p:cNvPr id="146" name="Google Shape;146;p25"/>
           <p:cNvPicPr preferRelativeResize="0"/>
           <p:nvPr/>
         </p:nvPicPr>
@@ -9231,12 +8654,12 @@
 </p:sld>
 </file>
 
-<file path=ppt/slides/slide16.xml><?xml version="1.0" encoding="utf-8"?>
+<file path=ppt/slides/slide14.xml><?xml version="1.0" encoding="utf-8"?>
 <p:sld xmlns:a="http://schemas.openxmlformats.org/drawingml/2006/main" xmlns:r="http://schemas.openxmlformats.org/officeDocument/2006/relationships" xmlns:mc="http://schemas.openxmlformats.org/markup-compatibility/2006" xmlns:mv="urn:schemas-microsoft-com:mac:vml" xmlns:p="http://schemas.openxmlformats.org/presentationml/2006/main" xmlns:c="http://schemas.openxmlformats.org/drawingml/2006/chart" xmlns:dgm="http://schemas.openxmlformats.org/drawingml/2006/diagram" xmlns:o="urn:schemas-microsoft-com:office:office" xmlns:v="urn:schemas-microsoft-com:vml" xmlns:pvml="urn:schemas-microsoft-com:office:powerpoint" xmlns:com="http://schemas.openxmlformats.org/drawingml/2006/compatibility" xmlns:p14="http://schemas.microsoft.com/office/powerpoint/2010/main" xmlns:p15="http://schemas.microsoft.com/office/powerpoint/2012/main" xmlns:ahyp="http://schemas.microsoft.com/office/drawing/2018/hyperlinkcolor">
   <p:cSld>
     <p:spTree>
       <p:nvGrpSpPr>
-        <p:cNvPr id="160" name="Shape 160"/>
+        <p:cNvPr id="150" name="Shape 150"/>
         <p:cNvGrpSpPr/>
         <p:nvPr/>
       </p:nvGrpSpPr>
@@ -9250,7 +8673,7 @@
       </p:grpSpPr>
       <p:sp>
         <p:nvSpPr>
-          <p:cNvPr id="161" name="Google Shape;161;p28"/>
+          <p:cNvPr id="151" name="Google Shape;151;p26"/>
           <p:cNvSpPr txBox="1"/>
           <p:nvPr>
             <p:ph type="title"/>
@@ -9290,7 +8713,7 @@
       </p:sp>
       <p:sp>
         <p:nvSpPr>
-          <p:cNvPr id="162" name="Google Shape;162;p28"/>
+          <p:cNvPr id="152" name="Google Shape;152;p26"/>
           <p:cNvSpPr txBox="1"/>
           <p:nvPr>
             <p:ph idx="1" type="body"/>
@@ -9390,7 +8813,7 @@
       </p:sp>
       <p:pic>
         <p:nvPicPr>
-          <p:cNvPr id="163" name="Google Shape;163;p28"/>
+          <p:cNvPr id="153" name="Google Shape;153;p26"/>
           <p:cNvPicPr preferRelativeResize="0"/>
           <p:nvPr/>
         </p:nvPicPr>
@@ -9416,6 +8839,247 @@
           </a:ln>
         </p:spPr>
       </p:pic>
+    </p:spTree>
+  </p:cSld>
+  <p:clrMapOvr>
+    <a:masterClrMapping/>
+  </p:clrMapOvr>
+</p:sld>
+</file>
+
+<file path=ppt/slides/slide15.xml><?xml version="1.0" encoding="utf-8"?>
+<p:sld xmlns:a="http://schemas.openxmlformats.org/drawingml/2006/main" xmlns:r="http://schemas.openxmlformats.org/officeDocument/2006/relationships" xmlns:mc="http://schemas.openxmlformats.org/markup-compatibility/2006" xmlns:mv="urn:schemas-microsoft-com:mac:vml" xmlns:p="http://schemas.openxmlformats.org/presentationml/2006/main" xmlns:c="http://schemas.openxmlformats.org/drawingml/2006/chart" xmlns:dgm="http://schemas.openxmlformats.org/drawingml/2006/diagram" xmlns:o="urn:schemas-microsoft-com:office:office" xmlns:v="urn:schemas-microsoft-com:vml" xmlns:pvml="urn:schemas-microsoft-com:office:powerpoint" xmlns:com="http://schemas.openxmlformats.org/drawingml/2006/compatibility" xmlns:p14="http://schemas.microsoft.com/office/powerpoint/2010/main" xmlns:p15="http://schemas.microsoft.com/office/powerpoint/2012/main" xmlns:ahyp="http://schemas.microsoft.com/office/drawing/2018/hyperlinkcolor">
+  <p:cSld>
+    <p:spTree>
+      <p:nvGrpSpPr>
+        <p:cNvPr id="157" name="Shape 157"/>
+        <p:cNvGrpSpPr/>
+        <p:nvPr/>
+      </p:nvGrpSpPr>
+      <p:grpSpPr>
+        <a:xfrm>
+          <a:off x="0" y="0"/>
+          <a:ext cx="0" cy="0"/>
+          <a:chOff x="0" y="0"/>
+          <a:chExt cx="0" cy="0"/>
+        </a:xfrm>
+      </p:grpSpPr>
+      <p:sp>
+        <p:nvSpPr>
+          <p:cNvPr id="158" name="Google Shape;158;p27"/>
+          <p:cNvSpPr txBox="1"/>
+          <p:nvPr>
+            <p:ph type="title"/>
+          </p:nvPr>
+        </p:nvSpPr>
+        <p:spPr>
+          <a:xfrm>
+            <a:off x="311700" y="292850"/>
+            <a:ext cx="4914900" cy="1471800"/>
+          </a:xfrm>
+          <a:prstGeom prst="rect">
+            <a:avLst/>
+          </a:prstGeom>
+        </p:spPr>
+        <p:txBody>
+          <a:bodyPr anchorCtr="0" anchor="t" bIns="91425" lIns="91425" spcFirstLastPara="1" rIns="91425" wrap="square" tIns="91425">
+            <a:noAutofit/>
+          </a:bodyPr>
+          <a:lstStyle/>
+          <a:p>
+            <a:pPr indent="0" lvl="0" marL="0" rtl="0" algn="l">
+              <a:spcBef>
+                <a:spcPts val="0"/>
+              </a:spcBef>
+              <a:spcAft>
+                <a:spcPts val="0"/>
+              </a:spcAft>
+              <a:buNone/>
+            </a:pPr>
+            <a:r>
+              <a:rPr lang="es"/>
+              <a:t>análisis de componentes principales</a:t>
+            </a:r>
+            <a:endParaRPr/>
+          </a:p>
+        </p:txBody>
+      </p:sp>
+      <p:sp>
+        <p:nvSpPr>
+          <p:cNvPr id="159" name="Google Shape;159;p27"/>
+          <p:cNvSpPr txBox="1"/>
+          <p:nvPr>
+            <p:ph idx="1" type="body"/>
+          </p:nvPr>
+        </p:nvSpPr>
+        <p:spPr>
+          <a:xfrm>
+            <a:off x="207100" y="2024250"/>
+            <a:ext cx="4593300" cy="2391900"/>
+          </a:xfrm>
+          <a:prstGeom prst="rect">
+            <a:avLst/>
+          </a:prstGeom>
+        </p:spPr>
+        <p:txBody>
+          <a:bodyPr anchorCtr="0" anchor="t" bIns="91425" lIns="91425" spcFirstLastPara="1" rIns="91425" wrap="square" tIns="91425">
+            <a:noAutofit/>
+          </a:bodyPr>
+          <a:lstStyle/>
+          <a:p>
+            <a:pPr indent="0" lvl="0" marL="0" rtl="0" algn="l">
+              <a:spcBef>
+                <a:spcPts val="0"/>
+              </a:spcBef>
+              <a:spcAft>
+                <a:spcPts val="0"/>
+              </a:spcAft>
+              <a:buNone/>
+            </a:pPr>
+            <a:r>
+              <a:rPr lang="es"/>
+              <a:t>Recordemos que esta técnica crea nuevas características que no tienen un sentido físico. Por lo que muchas veces se opta por otras técnicas que si tienen explicabilidad.</a:t>
+            </a:r>
+            <a:endParaRPr/>
+          </a:p>
+          <a:p>
+            <a:pPr indent="0" lvl="0" marL="0" rtl="0" algn="l">
+              <a:spcBef>
+                <a:spcPts val="1600"/>
+              </a:spcBef>
+              <a:spcAft>
+                <a:spcPts val="1600"/>
+              </a:spcAft>
+              <a:buNone/>
+            </a:pPr>
+            <a:r>
+              <a:t/>
+            </a:r>
+            <a:endParaRPr/>
+          </a:p>
+        </p:txBody>
+      </p:sp>
+      <p:pic>
+        <p:nvPicPr>
+          <p:cNvPr id="160" name="Google Shape;160;p27"/>
+          <p:cNvPicPr preferRelativeResize="0"/>
+          <p:nvPr/>
+        </p:nvPicPr>
+        <p:blipFill>
+          <a:blip r:embed="rId3">
+            <a:alphaModFix/>
+          </a:blip>
+          <a:stretch>
+            <a:fillRect/>
+          </a:stretch>
+        </p:blipFill>
+        <p:spPr>
+          <a:xfrm>
+            <a:off x="5105200" y="2069450"/>
+            <a:ext cx="3738513" cy="3074050"/>
+          </a:xfrm>
+          <a:prstGeom prst="rect">
+            <a:avLst/>
+          </a:prstGeom>
+          <a:noFill/>
+          <a:ln>
+            <a:noFill/>
+          </a:ln>
+        </p:spPr>
+      </p:pic>
+      <p:pic>
+        <p:nvPicPr>
+          <p:cNvPr id="161" name="Google Shape;161;p27"/>
+          <p:cNvPicPr preferRelativeResize="0"/>
+          <p:nvPr/>
+        </p:nvPicPr>
+        <p:blipFill>
+          <a:blip r:embed="rId4">
+            <a:alphaModFix/>
+          </a:blip>
+          <a:stretch>
+            <a:fillRect/>
+          </a:stretch>
+        </p:blipFill>
+        <p:spPr>
+          <a:xfrm>
+            <a:off x="5836200" y="152400"/>
+            <a:ext cx="2457650" cy="1764650"/>
+          </a:xfrm>
+          <a:prstGeom prst="rect">
+            <a:avLst/>
+          </a:prstGeom>
+          <a:noFill/>
+          <a:ln>
+            <a:noFill/>
+          </a:ln>
+        </p:spPr>
+      </p:pic>
+    </p:spTree>
+  </p:cSld>
+  <p:clrMapOvr>
+    <a:masterClrMapping/>
+  </p:clrMapOvr>
+</p:sld>
+</file>
+
+<file path=ppt/slides/slide16.xml><?xml version="1.0" encoding="utf-8"?>
+<p:sld xmlns:a="http://schemas.openxmlformats.org/drawingml/2006/main" xmlns:r="http://schemas.openxmlformats.org/officeDocument/2006/relationships" xmlns:mc="http://schemas.openxmlformats.org/markup-compatibility/2006" xmlns:mv="urn:schemas-microsoft-com:mac:vml" xmlns:p="http://schemas.openxmlformats.org/presentationml/2006/main" xmlns:c="http://schemas.openxmlformats.org/drawingml/2006/chart" xmlns:dgm="http://schemas.openxmlformats.org/drawingml/2006/diagram" xmlns:o="urn:schemas-microsoft-com:office:office" xmlns:v="urn:schemas-microsoft-com:vml" xmlns:pvml="urn:schemas-microsoft-com:office:powerpoint" xmlns:com="http://schemas.openxmlformats.org/drawingml/2006/compatibility" xmlns:p14="http://schemas.microsoft.com/office/powerpoint/2010/main" xmlns:p15="http://schemas.microsoft.com/office/powerpoint/2012/main" xmlns:ahyp="http://schemas.microsoft.com/office/drawing/2018/hyperlinkcolor">
+  <p:cSld>
+    <p:spTree>
+      <p:nvGrpSpPr>
+        <p:cNvPr id="165" name="Shape 165"/>
+        <p:cNvGrpSpPr/>
+        <p:nvPr/>
+      </p:nvGrpSpPr>
+      <p:grpSpPr>
+        <a:xfrm>
+          <a:off x="0" y="0"/>
+          <a:ext cx="0" cy="0"/>
+          <a:chOff x="0" y="0"/>
+          <a:chExt cx="0" cy="0"/>
+        </a:xfrm>
+      </p:grpSpPr>
+      <p:sp>
+        <p:nvSpPr>
+          <p:cNvPr id="166" name="Google Shape;166;p28"/>
+          <p:cNvSpPr txBox="1"/>
+          <p:nvPr>
+            <p:ph type="title"/>
+          </p:nvPr>
+        </p:nvSpPr>
+        <p:spPr>
+          <a:xfrm>
+            <a:off x="490250" y="526350"/>
+            <a:ext cx="8159700" cy="4090800"/>
+          </a:xfrm>
+          <a:prstGeom prst="rect">
+            <a:avLst/>
+          </a:prstGeom>
+        </p:spPr>
+        <p:txBody>
+          <a:bodyPr anchorCtr="0" anchor="ctr" bIns="91425" lIns="91425" spcFirstLastPara="1" rIns="91425" wrap="square" tIns="91425">
+            <a:noAutofit/>
+          </a:bodyPr>
+          <a:lstStyle/>
+          <a:p>
+            <a:pPr indent="0" lvl="0" marL="0" rtl="0" algn="l">
+              <a:spcBef>
+                <a:spcPts val="0"/>
+              </a:spcBef>
+              <a:spcAft>
+                <a:spcPts val="0"/>
+              </a:spcAft>
+              <a:buNone/>
+            </a:pPr>
+            <a:r>
+              <a:rPr lang="es"/>
+              <a:t>3.3 selección de características</a:t>
+            </a:r>
+            <a:endParaRPr/>
+          </a:p>
+        </p:txBody>
+      </p:sp>
     </p:spTree>
   </p:cSld>
   <p:clrMapOvr>
@@ -9429,7 +9093,7 @@
   <p:cSld>
     <p:spTree>
       <p:nvGrpSpPr>
-        <p:cNvPr id="167" name="Shape 167"/>
+        <p:cNvPr id="170" name="Shape 170"/>
         <p:cNvGrpSpPr/>
         <p:nvPr/>
       </p:nvGrpSpPr>
@@ -9443,7 +9107,7 @@
       </p:grpSpPr>
       <p:sp>
         <p:nvSpPr>
-          <p:cNvPr id="168" name="Google Shape;168;p29"/>
+          <p:cNvPr id="171" name="Google Shape;171;p29"/>
           <p:cNvSpPr txBox="1"/>
           <p:nvPr>
             <p:ph type="title"/>
@@ -9475,7 +9139,7 @@
             </a:pPr>
             <a:r>
               <a:rPr lang="es"/>
-              <a:t>análisis de componentes principales</a:t>
+              <a:t>selección de características</a:t>
             </a:r>
             <a:endParaRPr/>
           </a:p>
@@ -9483,7 +9147,7 @@
       </p:sp>
       <p:sp>
         <p:nvSpPr>
-          <p:cNvPr id="169" name="Google Shape;169;p29"/>
+          <p:cNvPr id="172" name="Google Shape;172;p29"/>
           <p:cNvSpPr txBox="1"/>
           <p:nvPr>
             <p:ph idx="1" type="body"/>
@@ -9491,8 +9155,8 @@
         </p:nvSpPr>
         <p:spPr>
           <a:xfrm>
-            <a:off x="207100" y="2024250"/>
-            <a:ext cx="4593300" cy="2391900"/>
+            <a:off x="207100" y="1338450"/>
+            <a:ext cx="4593300" cy="3340200"/>
           </a:xfrm>
           <a:prstGeom prst="rect">
             <a:avLst/>
@@ -9504,33 +9168,53 @@
           </a:bodyPr>
           <a:lstStyle/>
           <a:p>
-            <a:pPr indent="0" lvl="0" marL="0" rtl="0" algn="l">
-              <a:spcBef>
-                <a:spcPts val="0"/>
-              </a:spcBef>
-              <a:spcAft>
-                <a:spcPts val="0"/>
-              </a:spcAft>
-              <a:buNone/>
+            <a:pPr indent="-342900" lvl="0" marL="457200" rtl="0" algn="l">
+              <a:spcBef>
+                <a:spcPts val="0"/>
+              </a:spcBef>
+              <a:spcAft>
+                <a:spcPts val="0"/>
+              </a:spcAft>
+              <a:buSzPts val="1800"/>
+              <a:buChar char="●"/>
             </a:pPr>
             <a:r>
               <a:rPr lang="es"/>
-              <a:t>Recordemos que esta técnica crea nuevas características que no tienen un sentido físico. Por lo que muchas veces se opta por otras técnicas que si tienen explicabilidad.</a:t>
+              <a:t>Esta técnica es la más preferible ya que solo seleccionamos las k características más fuertes.</a:t>
             </a:r>
             <a:endParaRPr/>
           </a:p>
           <a:p>
-            <a:pPr indent="0" lvl="0" marL="0" rtl="0" algn="l">
-              <a:spcBef>
-                <a:spcPts val="1600"/>
-              </a:spcBef>
-              <a:spcAft>
-                <a:spcPts val="1600"/>
-              </a:spcAft>
-              <a:buNone/>
+            <a:pPr indent="-342900" lvl="0" marL="457200" rtl="0" algn="l">
+              <a:spcBef>
+                <a:spcPts val="0"/>
+              </a:spcBef>
+              <a:spcAft>
+                <a:spcPts val="0"/>
+              </a:spcAft>
+              <a:buSzPts val="1800"/>
+              <a:buChar char="●"/>
             </a:pPr>
             <a:r>
-              <a:t/>
+              <a:rPr lang="es"/>
+              <a:t>Se basa en la razón de Occam (entre más simple mejor!).</a:t>
+            </a:r>
+            <a:endParaRPr/>
+          </a:p>
+          <a:p>
+            <a:pPr indent="-342900" lvl="0" marL="457200" rtl="0" algn="l">
+              <a:spcBef>
+                <a:spcPts val="0"/>
+              </a:spcBef>
+              <a:spcAft>
+                <a:spcPts val="0"/>
+              </a:spcAft>
+              <a:buSzPts val="1800"/>
+              <a:buChar char="●"/>
+            </a:pPr>
+            <a:r>
+              <a:rPr lang="es"/>
+              <a:t>Existen varias formas de hacer la selección de características, nos enfocaremos en los tipo filtros.</a:t>
             </a:r>
             <a:endParaRPr/>
           </a:p>
@@ -9538,7 +9222,7 @@
       </p:sp>
       <p:pic>
         <p:nvPicPr>
-          <p:cNvPr id="170" name="Google Shape;170;p29"/>
+          <p:cNvPr id="173" name="Google Shape;173;p29"/>
           <p:cNvPicPr preferRelativeResize="0"/>
           <p:nvPr/>
         </p:nvPicPr>
@@ -9552,8 +9236,8 @@
         </p:blipFill>
         <p:spPr>
           <a:xfrm>
-            <a:off x="5105200" y="2069450"/>
-            <a:ext cx="3738513" cy="3074050"/>
+            <a:off x="4952800" y="316850"/>
+            <a:ext cx="4038801" cy="2304561"/>
           </a:xfrm>
           <a:prstGeom prst="rect">
             <a:avLst/>
@@ -9566,7 +9250,7 @@
       </p:pic>
       <p:pic>
         <p:nvPicPr>
-          <p:cNvPr id="171" name="Google Shape;171;p29"/>
+          <p:cNvPr id="174" name="Google Shape;174;p29"/>
           <p:cNvPicPr preferRelativeResize="0"/>
           <p:nvPr/>
         </p:nvPicPr>
@@ -9580,8 +9264,8 @@
         </p:blipFill>
         <p:spPr>
           <a:xfrm>
-            <a:off x="5836200" y="152400"/>
-            <a:ext cx="2457650" cy="1764650"/>
+            <a:off x="4881475" y="2586800"/>
+            <a:ext cx="3881525" cy="2413825"/>
           </a:xfrm>
           <a:prstGeom prst="rect">
             <a:avLst/>
@@ -9592,6 +9276,53 @@
           </a:ln>
         </p:spPr>
       </p:pic>
+      <p:sp>
+        <p:nvSpPr>
+          <p:cNvPr id="175" name="Google Shape;175;p29"/>
+          <p:cNvSpPr/>
+          <p:nvPr/>
+        </p:nvSpPr>
+        <p:spPr>
+          <a:xfrm>
+            <a:off x="7766650" y="4459875"/>
+            <a:ext cx="920100" cy="406800"/>
+          </a:xfrm>
+          <a:prstGeom prst="ellipse">
+            <a:avLst/>
+          </a:prstGeom>
+          <a:noFill/>
+          <a:ln cap="flat" cmpd="sng" w="28575">
+            <a:solidFill>
+              <a:srgbClr val="FF0000"/>
+            </a:solidFill>
+            <a:prstDash val="solid"/>
+            <a:round/>
+            <a:headEnd len="sm" w="sm" type="none"/>
+            <a:tailEnd len="sm" w="sm" type="none"/>
+          </a:ln>
+        </p:spPr>
+        <p:txBody>
+          <a:bodyPr anchorCtr="0" anchor="ctr" bIns="91425" lIns="91425" spcFirstLastPara="1" rIns="91425" wrap="square" tIns="91425">
+            <a:noAutofit/>
+          </a:bodyPr>
+          <a:lstStyle/>
+          <a:p>
+            <a:pPr indent="0" lvl="0" marL="0" rtl="0" algn="l">
+              <a:spcBef>
+                <a:spcPts val="0"/>
+              </a:spcBef>
+              <a:spcAft>
+                <a:spcPts val="0"/>
+              </a:spcAft>
+              <a:buNone/>
+            </a:pPr>
+            <a:r>
+              <a:t/>
+            </a:r>
+            <a:endParaRPr/>
+          </a:p>
+        </p:txBody>
+      </p:sp>
     </p:spTree>
   </p:cSld>
   <p:clrMapOvr>
@@ -9605,7 +9336,7 @@
   <p:cSld>
     <p:spTree>
       <p:nvGrpSpPr>
-        <p:cNvPr id="175" name="Shape 175"/>
+        <p:cNvPr id="179" name="Shape 179"/>
         <p:cNvGrpSpPr/>
         <p:nvPr/>
       </p:nvGrpSpPr>
@@ -9619,7 +9350,7 @@
       </p:grpSpPr>
       <p:sp>
         <p:nvSpPr>
-          <p:cNvPr id="176" name="Google Shape;176;p30"/>
+          <p:cNvPr id="180" name="Google Shape;180;p30"/>
           <p:cNvSpPr txBox="1"/>
           <p:nvPr>
             <p:ph type="title"/>
@@ -9628,7 +9359,7 @@
         <p:spPr>
           <a:xfrm>
             <a:off x="311700" y="292850"/>
-            <a:ext cx="8520600" cy="801000"/>
+            <a:ext cx="8239500" cy="1471800"/>
           </a:xfrm>
           <a:prstGeom prst="rect">
             <a:avLst/>
@@ -9650,69 +9381,40 @@
               <a:buNone/>
             </a:pPr>
             <a:r>
-              <a:rPr lang="es" sz="4000"/>
-              <a:t>ejercicio: </a:t>
+              <a:t/>
             </a:r>
-            <a:r>
-              <a:rPr lang="es" sz="4000"/>
-              <a:t>4.4 PCA_EuroSAT.ipynb</a:t>
-            </a:r>
-            <a:endParaRPr sz="4000"/>
+            <a:endParaRPr/>
           </a:p>
         </p:txBody>
       </p:sp>
-      <p:sp>
-        <p:nvSpPr>
-          <p:cNvPr id="177" name="Google Shape;177;p30"/>
-          <p:cNvSpPr txBox="1"/>
-          <p:nvPr>
-            <p:ph idx="1" type="body"/>
-          </p:nvPr>
-        </p:nvSpPr>
-        <p:spPr>
-          <a:xfrm>
-            <a:off x="311725" y="1152475"/>
-            <a:ext cx="3803700" cy="1826100"/>
+      <p:pic>
+        <p:nvPicPr>
+          <p:cNvPr id="181" name="Google Shape;181;p30"/>
+          <p:cNvPicPr preferRelativeResize="0"/>
+          <p:nvPr/>
+        </p:nvPicPr>
+        <p:blipFill>
+          <a:blip r:embed="rId3">
+            <a:alphaModFix/>
+          </a:blip>
+          <a:stretch>
+            <a:fillRect/>
+          </a:stretch>
+        </p:blipFill>
+        <p:spPr>
+          <a:xfrm>
+            <a:off x="159300" y="271598"/>
+            <a:ext cx="8694176" cy="4538527"/>
           </a:xfrm>
           <a:prstGeom prst="rect">
             <a:avLst/>
           </a:prstGeom>
-        </p:spPr>
-        <p:txBody>
-          <a:bodyPr anchorCtr="0" anchor="t" bIns="91425" lIns="91425" spcFirstLastPara="1" rIns="91425" wrap="square" tIns="91425">
-            <a:noAutofit/>
-          </a:bodyPr>
-          <a:lstStyle/>
-          <a:p>
-            <a:pPr indent="-342900" lvl="0" marL="457200" rtl="0" algn="l">
-              <a:spcBef>
-                <a:spcPts val="0"/>
-              </a:spcBef>
-              <a:spcAft>
-                <a:spcPts val="0"/>
-              </a:spcAft>
-              <a:buClr>
-                <a:srgbClr val="000000"/>
-              </a:buClr>
-              <a:buSzPts val="1800"/>
-              <a:buChar char="●"/>
-            </a:pPr>
-            <a:r>
-              <a:rPr lang="es">
-                <a:solidFill>
-                  <a:srgbClr val="000000"/>
-                </a:solidFill>
-              </a:rPr>
-              <a:t>Abre el notebook y completa las líneas faltantes.</a:t>
-            </a:r>
-            <a:endParaRPr>
-              <a:solidFill>
-                <a:srgbClr val="000000"/>
-              </a:solidFill>
-            </a:endParaRPr>
-          </a:p>
-        </p:txBody>
-      </p:sp>
+          <a:noFill/>
+          <a:ln>
+            <a:noFill/>
+          </a:ln>
+        </p:spPr>
+      </p:pic>
     </p:spTree>
   </p:cSld>
   <p:clrMapOvr>
@@ -9726,7 +9428,7 @@
   <p:cSld>
     <p:spTree>
       <p:nvGrpSpPr>
-        <p:cNvPr id="181" name="Shape 181"/>
+        <p:cNvPr id="185" name="Shape 185"/>
         <p:cNvGrpSpPr/>
         <p:nvPr/>
       </p:nvGrpSpPr>
@@ -9740,7 +9442,7 @@
       </p:grpSpPr>
       <p:sp>
         <p:nvSpPr>
-          <p:cNvPr id="182" name="Google Shape;182;p31"/>
+          <p:cNvPr id="186" name="Google Shape;186;p31"/>
           <p:cNvSpPr txBox="1"/>
           <p:nvPr>
             <p:ph type="title"/>
@@ -9748,15 +9450,15 @@
         </p:nvSpPr>
         <p:spPr>
           <a:xfrm>
-            <a:off x="490250" y="526350"/>
-            <a:ext cx="8159700" cy="4090800"/>
+            <a:off x="311700" y="292850"/>
+            <a:ext cx="8239500" cy="1471800"/>
           </a:xfrm>
           <a:prstGeom prst="rect">
             <a:avLst/>
           </a:prstGeom>
         </p:spPr>
         <p:txBody>
-          <a:bodyPr anchorCtr="0" anchor="ctr" bIns="91425" lIns="91425" spcFirstLastPara="1" rIns="91425" wrap="square" tIns="91425">
+          <a:bodyPr anchorCtr="0" anchor="t" bIns="91425" lIns="91425" spcFirstLastPara="1" rIns="91425" wrap="square" tIns="91425">
             <a:noAutofit/>
           </a:bodyPr>
           <a:lstStyle/>
@@ -9772,9 +9474,71 @@
             </a:pPr>
             <a:r>
               <a:rPr lang="es"/>
-              <a:t>3.3 selección de características</a:t>
+              <a:t>¿cómo selecciono mis características? (filtros)</a:t>
             </a:r>
             <a:endParaRPr/>
+          </a:p>
+        </p:txBody>
+      </p:sp>
+      <p:sp>
+        <p:nvSpPr>
+          <p:cNvPr id="187" name="Google Shape;187;p31"/>
+          <p:cNvSpPr txBox="1"/>
+          <p:nvPr>
+            <p:ph idx="1" type="body"/>
+          </p:nvPr>
+        </p:nvSpPr>
+        <p:spPr>
+          <a:xfrm>
+            <a:off x="207100" y="1338450"/>
+            <a:ext cx="8529000" cy="3340200"/>
+          </a:xfrm>
+          <a:prstGeom prst="rect">
+            <a:avLst/>
+          </a:prstGeom>
+        </p:spPr>
+        <p:txBody>
+          <a:bodyPr anchorCtr="0" anchor="t" bIns="91425" lIns="91425" spcFirstLastPara="1" rIns="91425" wrap="square" tIns="91425">
+            <a:noAutofit/>
+          </a:bodyPr>
+          <a:lstStyle/>
+          <a:p>
+            <a:pPr indent="-342900" lvl="0" marL="457200" rtl="0" algn="l">
+              <a:spcBef>
+                <a:spcPts val="0"/>
+              </a:spcBef>
+              <a:spcAft>
+                <a:spcPts val="0"/>
+              </a:spcAft>
+              <a:buSzPts val="1800"/>
+              <a:buChar char="●"/>
+            </a:pPr>
+            <a:r>
+              <a:rPr lang="es"/>
+              <a:t>El problema de selección de características es considerado como un problema de búsqueda, donde cada subconjunto de características es una posible solución.</a:t>
+            </a:r>
+            <a:endParaRPr/>
+          </a:p>
+          <a:p>
+            <a:pPr indent="-342900" lvl="0" marL="457200" rtl="0" algn="l">
+              <a:spcBef>
+                <a:spcPts val="0"/>
+              </a:spcBef>
+              <a:spcAft>
+                <a:spcPts val="0"/>
+              </a:spcAft>
+              <a:buSzPts val="1800"/>
+              <a:buChar char="●"/>
+            </a:pPr>
+            <a:r>
+              <a:rPr lang="es"/>
+              <a:t>Recordemos la eliminación de variables por el coeficiente de correlación de pearson. En este caso, se hace un análisis de cada variable con respecto a la predicción (y). Ya que si se obtiene un coeficiente de pearson&gt;0.95, </a:t>
+            </a:r>
+            <a:r>
+              <a:rPr b="1" lang="es"/>
+              <a:t>esta variable tiene mucho poder explicativo sobre la predicción. </a:t>
+            </a:r>
+            <a:endParaRPr b="1"/>
           </a:p>
         </p:txBody>
       </p:sp>
@@ -9965,589 +9729,6 @@
           </a:ln>
         </p:spPr>
       </p:cxnSp>
-    </p:spTree>
-  </p:cSld>
-  <p:clrMapOvr>
-    <a:masterClrMapping/>
-  </p:clrMapOvr>
-</p:sld>
-</file>
-
-<file path=ppt/slides/slide20.xml><?xml version="1.0" encoding="utf-8"?>
-<p:sld xmlns:a="http://schemas.openxmlformats.org/drawingml/2006/main" xmlns:r="http://schemas.openxmlformats.org/officeDocument/2006/relationships" xmlns:mc="http://schemas.openxmlformats.org/markup-compatibility/2006" xmlns:mv="urn:schemas-microsoft-com:mac:vml" xmlns:p="http://schemas.openxmlformats.org/presentationml/2006/main" xmlns:c="http://schemas.openxmlformats.org/drawingml/2006/chart" xmlns:dgm="http://schemas.openxmlformats.org/drawingml/2006/diagram" xmlns:o="urn:schemas-microsoft-com:office:office" xmlns:v="urn:schemas-microsoft-com:vml" xmlns:pvml="urn:schemas-microsoft-com:office:powerpoint" xmlns:com="http://schemas.openxmlformats.org/drawingml/2006/compatibility" xmlns:p14="http://schemas.microsoft.com/office/powerpoint/2010/main" xmlns:p15="http://schemas.microsoft.com/office/powerpoint/2012/main" xmlns:ahyp="http://schemas.microsoft.com/office/drawing/2018/hyperlinkcolor">
-  <p:cSld>
-    <p:spTree>
-      <p:nvGrpSpPr>
-        <p:cNvPr id="186" name="Shape 186"/>
-        <p:cNvGrpSpPr/>
-        <p:nvPr/>
-      </p:nvGrpSpPr>
-      <p:grpSpPr>
-        <a:xfrm>
-          <a:off x="0" y="0"/>
-          <a:ext cx="0" cy="0"/>
-          <a:chOff x="0" y="0"/>
-          <a:chExt cx="0" cy="0"/>
-        </a:xfrm>
-      </p:grpSpPr>
-      <p:sp>
-        <p:nvSpPr>
-          <p:cNvPr id="187" name="Google Shape;187;p32"/>
-          <p:cNvSpPr txBox="1"/>
-          <p:nvPr>
-            <p:ph type="title"/>
-          </p:nvPr>
-        </p:nvSpPr>
-        <p:spPr>
-          <a:xfrm>
-            <a:off x="311700" y="292850"/>
-            <a:ext cx="4914900" cy="1471800"/>
-          </a:xfrm>
-          <a:prstGeom prst="rect">
-            <a:avLst/>
-          </a:prstGeom>
-        </p:spPr>
-        <p:txBody>
-          <a:bodyPr anchorCtr="0" anchor="t" bIns="91425" lIns="91425" spcFirstLastPara="1" rIns="91425" wrap="square" tIns="91425">
-            <a:noAutofit/>
-          </a:bodyPr>
-          <a:lstStyle/>
-          <a:p>
-            <a:pPr indent="0" lvl="0" marL="0" rtl="0" algn="l">
-              <a:spcBef>
-                <a:spcPts val="0"/>
-              </a:spcBef>
-              <a:spcAft>
-                <a:spcPts val="0"/>
-              </a:spcAft>
-              <a:buNone/>
-            </a:pPr>
-            <a:r>
-              <a:rPr lang="es"/>
-              <a:t>selección de características</a:t>
-            </a:r>
-            <a:endParaRPr/>
-          </a:p>
-        </p:txBody>
-      </p:sp>
-      <p:sp>
-        <p:nvSpPr>
-          <p:cNvPr id="188" name="Google Shape;188;p32"/>
-          <p:cNvSpPr txBox="1"/>
-          <p:nvPr>
-            <p:ph idx="1" type="body"/>
-          </p:nvPr>
-        </p:nvSpPr>
-        <p:spPr>
-          <a:xfrm>
-            <a:off x="207100" y="1338450"/>
-            <a:ext cx="4593300" cy="3340200"/>
-          </a:xfrm>
-          <a:prstGeom prst="rect">
-            <a:avLst/>
-          </a:prstGeom>
-        </p:spPr>
-        <p:txBody>
-          <a:bodyPr anchorCtr="0" anchor="t" bIns="91425" lIns="91425" spcFirstLastPara="1" rIns="91425" wrap="square" tIns="91425">
-            <a:noAutofit/>
-          </a:bodyPr>
-          <a:lstStyle/>
-          <a:p>
-            <a:pPr indent="-342900" lvl="0" marL="457200" rtl="0" algn="l">
-              <a:spcBef>
-                <a:spcPts val="0"/>
-              </a:spcBef>
-              <a:spcAft>
-                <a:spcPts val="0"/>
-              </a:spcAft>
-              <a:buSzPts val="1800"/>
-              <a:buChar char="●"/>
-            </a:pPr>
-            <a:r>
-              <a:rPr lang="es"/>
-              <a:t>Esta técnica es la más preferible ya que solo seleccionamos las k características más fuertes.</a:t>
-            </a:r>
-            <a:endParaRPr/>
-          </a:p>
-          <a:p>
-            <a:pPr indent="-342900" lvl="0" marL="457200" rtl="0" algn="l">
-              <a:spcBef>
-                <a:spcPts val="0"/>
-              </a:spcBef>
-              <a:spcAft>
-                <a:spcPts val="0"/>
-              </a:spcAft>
-              <a:buSzPts val="1800"/>
-              <a:buChar char="●"/>
-            </a:pPr>
-            <a:r>
-              <a:rPr lang="es"/>
-              <a:t>Se basa en la razón de Occam (entre más simple mejor!).</a:t>
-            </a:r>
-            <a:endParaRPr/>
-          </a:p>
-          <a:p>
-            <a:pPr indent="-342900" lvl="0" marL="457200" rtl="0" algn="l">
-              <a:spcBef>
-                <a:spcPts val="0"/>
-              </a:spcBef>
-              <a:spcAft>
-                <a:spcPts val="0"/>
-              </a:spcAft>
-              <a:buSzPts val="1800"/>
-              <a:buChar char="●"/>
-            </a:pPr>
-            <a:r>
-              <a:rPr lang="es"/>
-              <a:t>Existen varias formas de hacer la selección de características, nos enfocaremos en los tipo filtros.</a:t>
-            </a:r>
-            <a:endParaRPr/>
-          </a:p>
-        </p:txBody>
-      </p:sp>
-      <p:pic>
-        <p:nvPicPr>
-          <p:cNvPr id="189" name="Google Shape;189;p32"/>
-          <p:cNvPicPr preferRelativeResize="0"/>
-          <p:nvPr/>
-        </p:nvPicPr>
-        <p:blipFill>
-          <a:blip r:embed="rId3">
-            <a:alphaModFix/>
-          </a:blip>
-          <a:stretch>
-            <a:fillRect/>
-          </a:stretch>
-        </p:blipFill>
-        <p:spPr>
-          <a:xfrm>
-            <a:off x="4952800" y="316850"/>
-            <a:ext cx="4038801" cy="2304561"/>
-          </a:xfrm>
-          <a:prstGeom prst="rect">
-            <a:avLst/>
-          </a:prstGeom>
-          <a:noFill/>
-          <a:ln>
-            <a:noFill/>
-          </a:ln>
-        </p:spPr>
-      </p:pic>
-      <p:pic>
-        <p:nvPicPr>
-          <p:cNvPr id="190" name="Google Shape;190;p32"/>
-          <p:cNvPicPr preferRelativeResize="0"/>
-          <p:nvPr/>
-        </p:nvPicPr>
-        <p:blipFill>
-          <a:blip r:embed="rId4">
-            <a:alphaModFix/>
-          </a:blip>
-          <a:stretch>
-            <a:fillRect/>
-          </a:stretch>
-        </p:blipFill>
-        <p:spPr>
-          <a:xfrm>
-            <a:off x="4881475" y="2586800"/>
-            <a:ext cx="3881525" cy="2413825"/>
-          </a:xfrm>
-          <a:prstGeom prst="rect">
-            <a:avLst/>
-          </a:prstGeom>
-          <a:noFill/>
-          <a:ln>
-            <a:noFill/>
-          </a:ln>
-        </p:spPr>
-      </p:pic>
-      <p:sp>
-        <p:nvSpPr>
-          <p:cNvPr id="191" name="Google Shape;191;p32"/>
-          <p:cNvSpPr/>
-          <p:nvPr/>
-        </p:nvSpPr>
-        <p:spPr>
-          <a:xfrm>
-            <a:off x="7766650" y="4459875"/>
-            <a:ext cx="920100" cy="406800"/>
-          </a:xfrm>
-          <a:prstGeom prst="ellipse">
-            <a:avLst/>
-          </a:prstGeom>
-          <a:noFill/>
-          <a:ln cap="flat" cmpd="sng" w="28575">
-            <a:solidFill>
-              <a:srgbClr val="FF0000"/>
-            </a:solidFill>
-            <a:prstDash val="solid"/>
-            <a:round/>
-            <a:headEnd len="sm" w="sm" type="none"/>
-            <a:tailEnd len="sm" w="sm" type="none"/>
-          </a:ln>
-        </p:spPr>
-        <p:txBody>
-          <a:bodyPr anchorCtr="0" anchor="ctr" bIns="91425" lIns="91425" spcFirstLastPara="1" rIns="91425" wrap="square" tIns="91425">
-            <a:noAutofit/>
-          </a:bodyPr>
-          <a:lstStyle/>
-          <a:p>
-            <a:pPr indent="0" lvl="0" marL="0" rtl="0" algn="l">
-              <a:spcBef>
-                <a:spcPts val="0"/>
-              </a:spcBef>
-              <a:spcAft>
-                <a:spcPts val="0"/>
-              </a:spcAft>
-              <a:buNone/>
-            </a:pPr>
-            <a:r>
-              <a:t/>
-            </a:r>
-            <a:endParaRPr/>
-          </a:p>
-        </p:txBody>
-      </p:sp>
-    </p:spTree>
-  </p:cSld>
-  <p:clrMapOvr>
-    <a:masterClrMapping/>
-  </p:clrMapOvr>
-</p:sld>
-</file>
-
-<file path=ppt/slides/slide21.xml><?xml version="1.0" encoding="utf-8"?>
-<p:sld xmlns:a="http://schemas.openxmlformats.org/drawingml/2006/main" xmlns:r="http://schemas.openxmlformats.org/officeDocument/2006/relationships" xmlns:mc="http://schemas.openxmlformats.org/markup-compatibility/2006" xmlns:mv="urn:schemas-microsoft-com:mac:vml" xmlns:p="http://schemas.openxmlformats.org/presentationml/2006/main" xmlns:c="http://schemas.openxmlformats.org/drawingml/2006/chart" xmlns:dgm="http://schemas.openxmlformats.org/drawingml/2006/diagram" xmlns:o="urn:schemas-microsoft-com:office:office" xmlns:v="urn:schemas-microsoft-com:vml" xmlns:pvml="urn:schemas-microsoft-com:office:powerpoint" xmlns:com="http://schemas.openxmlformats.org/drawingml/2006/compatibility" xmlns:p14="http://schemas.microsoft.com/office/powerpoint/2010/main" xmlns:p15="http://schemas.microsoft.com/office/powerpoint/2012/main" xmlns:ahyp="http://schemas.microsoft.com/office/drawing/2018/hyperlinkcolor">
-  <p:cSld>
-    <p:spTree>
-      <p:nvGrpSpPr>
-        <p:cNvPr id="195" name="Shape 195"/>
-        <p:cNvGrpSpPr/>
-        <p:nvPr/>
-      </p:nvGrpSpPr>
-      <p:grpSpPr>
-        <a:xfrm>
-          <a:off x="0" y="0"/>
-          <a:ext cx="0" cy="0"/>
-          <a:chOff x="0" y="0"/>
-          <a:chExt cx="0" cy="0"/>
-        </a:xfrm>
-      </p:grpSpPr>
-      <p:sp>
-        <p:nvSpPr>
-          <p:cNvPr id="196" name="Google Shape;196;p33"/>
-          <p:cNvSpPr txBox="1"/>
-          <p:nvPr>
-            <p:ph type="title"/>
-          </p:nvPr>
-        </p:nvSpPr>
-        <p:spPr>
-          <a:xfrm>
-            <a:off x="311700" y="292850"/>
-            <a:ext cx="8239500" cy="1471800"/>
-          </a:xfrm>
-          <a:prstGeom prst="rect">
-            <a:avLst/>
-          </a:prstGeom>
-        </p:spPr>
-        <p:txBody>
-          <a:bodyPr anchorCtr="0" anchor="t" bIns="91425" lIns="91425" spcFirstLastPara="1" rIns="91425" wrap="square" tIns="91425">
-            <a:noAutofit/>
-          </a:bodyPr>
-          <a:lstStyle/>
-          <a:p>
-            <a:pPr indent="0" lvl="0" marL="0" rtl="0" algn="l">
-              <a:spcBef>
-                <a:spcPts val="0"/>
-              </a:spcBef>
-              <a:spcAft>
-                <a:spcPts val="0"/>
-              </a:spcAft>
-              <a:buNone/>
-            </a:pPr>
-            <a:r>
-              <a:t/>
-            </a:r>
-            <a:endParaRPr/>
-          </a:p>
-        </p:txBody>
-      </p:sp>
-      <p:pic>
-        <p:nvPicPr>
-          <p:cNvPr id="197" name="Google Shape;197;p33"/>
-          <p:cNvPicPr preferRelativeResize="0"/>
-          <p:nvPr/>
-        </p:nvPicPr>
-        <p:blipFill>
-          <a:blip r:embed="rId3">
-            <a:alphaModFix/>
-          </a:blip>
-          <a:stretch>
-            <a:fillRect/>
-          </a:stretch>
-        </p:blipFill>
-        <p:spPr>
-          <a:xfrm>
-            <a:off x="159300" y="271598"/>
-            <a:ext cx="8694176" cy="4538527"/>
-          </a:xfrm>
-          <a:prstGeom prst="rect">
-            <a:avLst/>
-          </a:prstGeom>
-          <a:noFill/>
-          <a:ln>
-            <a:noFill/>
-          </a:ln>
-        </p:spPr>
-      </p:pic>
-    </p:spTree>
-  </p:cSld>
-  <p:clrMapOvr>
-    <a:masterClrMapping/>
-  </p:clrMapOvr>
-</p:sld>
-</file>
-
-<file path=ppt/slides/slide22.xml><?xml version="1.0" encoding="utf-8"?>
-<p:sld xmlns:a="http://schemas.openxmlformats.org/drawingml/2006/main" xmlns:r="http://schemas.openxmlformats.org/officeDocument/2006/relationships" xmlns:mc="http://schemas.openxmlformats.org/markup-compatibility/2006" xmlns:mv="urn:schemas-microsoft-com:mac:vml" xmlns:p="http://schemas.openxmlformats.org/presentationml/2006/main" xmlns:c="http://schemas.openxmlformats.org/drawingml/2006/chart" xmlns:dgm="http://schemas.openxmlformats.org/drawingml/2006/diagram" xmlns:o="urn:schemas-microsoft-com:office:office" xmlns:v="urn:schemas-microsoft-com:vml" xmlns:pvml="urn:schemas-microsoft-com:office:powerpoint" xmlns:com="http://schemas.openxmlformats.org/drawingml/2006/compatibility" xmlns:p14="http://schemas.microsoft.com/office/powerpoint/2010/main" xmlns:p15="http://schemas.microsoft.com/office/powerpoint/2012/main" xmlns:ahyp="http://schemas.microsoft.com/office/drawing/2018/hyperlinkcolor">
-  <p:cSld>
-    <p:spTree>
-      <p:nvGrpSpPr>
-        <p:cNvPr id="201" name="Shape 201"/>
-        <p:cNvGrpSpPr/>
-        <p:nvPr/>
-      </p:nvGrpSpPr>
-      <p:grpSpPr>
-        <a:xfrm>
-          <a:off x="0" y="0"/>
-          <a:ext cx="0" cy="0"/>
-          <a:chOff x="0" y="0"/>
-          <a:chExt cx="0" cy="0"/>
-        </a:xfrm>
-      </p:grpSpPr>
-      <p:sp>
-        <p:nvSpPr>
-          <p:cNvPr id="202" name="Google Shape;202;p34"/>
-          <p:cNvSpPr txBox="1"/>
-          <p:nvPr>
-            <p:ph type="title"/>
-          </p:nvPr>
-        </p:nvSpPr>
-        <p:spPr>
-          <a:xfrm>
-            <a:off x="311700" y="292850"/>
-            <a:ext cx="8239500" cy="1471800"/>
-          </a:xfrm>
-          <a:prstGeom prst="rect">
-            <a:avLst/>
-          </a:prstGeom>
-        </p:spPr>
-        <p:txBody>
-          <a:bodyPr anchorCtr="0" anchor="t" bIns="91425" lIns="91425" spcFirstLastPara="1" rIns="91425" wrap="square" tIns="91425">
-            <a:noAutofit/>
-          </a:bodyPr>
-          <a:lstStyle/>
-          <a:p>
-            <a:pPr indent="0" lvl="0" marL="0" rtl="0" algn="l">
-              <a:spcBef>
-                <a:spcPts val="0"/>
-              </a:spcBef>
-              <a:spcAft>
-                <a:spcPts val="0"/>
-              </a:spcAft>
-              <a:buNone/>
-            </a:pPr>
-            <a:r>
-              <a:rPr lang="es"/>
-              <a:t>¿cómo selecciono mis características? (filtros)</a:t>
-            </a:r>
-            <a:endParaRPr/>
-          </a:p>
-        </p:txBody>
-      </p:sp>
-      <p:sp>
-        <p:nvSpPr>
-          <p:cNvPr id="203" name="Google Shape;203;p34"/>
-          <p:cNvSpPr txBox="1"/>
-          <p:nvPr>
-            <p:ph idx="1" type="body"/>
-          </p:nvPr>
-        </p:nvSpPr>
-        <p:spPr>
-          <a:xfrm>
-            <a:off x="207100" y="1338450"/>
-            <a:ext cx="8529000" cy="3340200"/>
-          </a:xfrm>
-          <a:prstGeom prst="rect">
-            <a:avLst/>
-          </a:prstGeom>
-        </p:spPr>
-        <p:txBody>
-          <a:bodyPr anchorCtr="0" anchor="t" bIns="91425" lIns="91425" spcFirstLastPara="1" rIns="91425" wrap="square" tIns="91425">
-            <a:noAutofit/>
-          </a:bodyPr>
-          <a:lstStyle/>
-          <a:p>
-            <a:pPr indent="-342900" lvl="0" marL="457200" rtl="0" algn="l">
-              <a:spcBef>
-                <a:spcPts val="0"/>
-              </a:spcBef>
-              <a:spcAft>
-                <a:spcPts val="0"/>
-              </a:spcAft>
-              <a:buSzPts val="1800"/>
-              <a:buChar char="●"/>
-            </a:pPr>
-            <a:r>
-              <a:rPr lang="es"/>
-              <a:t>El problema de selección de características es considerado como un problema de búsqueda, donde cada subconjunto de características es una posible solución.</a:t>
-            </a:r>
-            <a:endParaRPr/>
-          </a:p>
-          <a:p>
-            <a:pPr indent="-342900" lvl="0" marL="457200" rtl="0" algn="l">
-              <a:spcBef>
-                <a:spcPts val="0"/>
-              </a:spcBef>
-              <a:spcAft>
-                <a:spcPts val="0"/>
-              </a:spcAft>
-              <a:buSzPts val="1800"/>
-              <a:buChar char="●"/>
-            </a:pPr>
-            <a:r>
-              <a:rPr lang="es"/>
-              <a:t>Recordemos la eliminación de variables por el coeficiente de correlación de pearson. En este caso, se hace un análisis de cada variable con respecto a la predicción (y). Ya que si se obtiene un coeficiente de pearson&gt;0.95, </a:t>
-            </a:r>
-            <a:r>
-              <a:rPr b="1" lang="es"/>
-              <a:t>esta variable tiene mucho poder explicativo sobre la predicción. </a:t>
-            </a:r>
-            <a:endParaRPr b="1"/>
-          </a:p>
-        </p:txBody>
-      </p:sp>
-    </p:spTree>
-  </p:cSld>
-  <p:clrMapOvr>
-    <a:masterClrMapping/>
-  </p:clrMapOvr>
-</p:sld>
-</file>
-
-<file path=ppt/slides/slide23.xml><?xml version="1.0" encoding="utf-8"?>
-<p:sld xmlns:a="http://schemas.openxmlformats.org/drawingml/2006/main" xmlns:r="http://schemas.openxmlformats.org/officeDocument/2006/relationships" xmlns:mc="http://schemas.openxmlformats.org/markup-compatibility/2006" xmlns:mv="urn:schemas-microsoft-com:mac:vml" xmlns:p="http://schemas.openxmlformats.org/presentationml/2006/main" xmlns:c="http://schemas.openxmlformats.org/drawingml/2006/chart" xmlns:dgm="http://schemas.openxmlformats.org/drawingml/2006/diagram" xmlns:o="urn:schemas-microsoft-com:office:office" xmlns:v="urn:schemas-microsoft-com:vml" xmlns:pvml="urn:schemas-microsoft-com:office:powerpoint" xmlns:com="http://schemas.openxmlformats.org/drawingml/2006/compatibility" xmlns:p14="http://schemas.microsoft.com/office/powerpoint/2010/main" xmlns:p15="http://schemas.microsoft.com/office/powerpoint/2012/main" xmlns:ahyp="http://schemas.microsoft.com/office/drawing/2018/hyperlinkcolor">
-  <p:cSld>
-    <p:spTree>
-      <p:nvGrpSpPr>
-        <p:cNvPr id="207" name="Shape 207"/>
-        <p:cNvGrpSpPr/>
-        <p:nvPr/>
-      </p:nvGrpSpPr>
-      <p:grpSpPr>
-        <a:xfrm>
-          <a:off x="0" y="0"/>
-          <a:ext cx="0" cy="0"/>
-          <a:chOff x="0" y="0"/>
-          <a:chExt cx="0" cy="0"/>
-        </a:xfrm>
-      </p:grpSpPr>
-      <p:sp>
-        <p:nvSpPr>
-          <p:cNvPr id="208" name="Google Shape;208;p35"/>
-          <p:cNvSpPr txBox="1"/>
-          <p:nvPr>
-            <p:ph type="title"/>
-          </p:nvPr>
-        </p:nvSpPr>
-        <p:spPr>
-          <a:xfrm>
-            <a:off x="311700" y="292850"/>
-            <a:ext cx="8520600" cy="801000"/>
-          </a:xfrm>
-          <a:prstGeom prst="rect">
-            <a:avLst/>
-          </a:prstGeom>
-        </p:spPr>
-        <p:txBody>
-          <a:bodyPr anchorCtr="0" anchor="t" bIns="91425" lIns="91425" spcFirstLastPara="1" rIns="91425" wrap="square" tIns="91425">
-            <a:noAutofit/>
-          </a:bodyPr>
-          <a:lstStyle/>
-          <a:p>
-            <a:pPr indent="0" lvl="0" marL="0" rtl="0" algn="l">
-              <a:spcBef>
-                <a:spcPts val="0"/>
-              </a:spcBef>
-              <a:spcAft>
-                <a:spcPts val="0"/>
-              </a:spcAft>
-              <a:buNone/>
-            </a:pPr>
-            <a:r>
-              <a:rPr lang="es" sz="3800"/>
-              <a:t>ejercicio: </a:t>
-            </a:r>
-            <a:r>
-              <a:rPr lang="es" sz="3800"/>
-              <a:t>4.5 Seleccion_de_caracteristicas_EUROSAT.ipynb</a:t>
-            </a:r>
-            <a:endParaRPr sz="3800"/>
-          </a:p>
-        </p:txBody>
-      </p:sp>
-      <p:sp>
-        <p:nvSpPr>
-          <p:cNvPr id="209" name="Google Shape;209;p35"/>
-          <p:cNvSpPr txBox="1"/>
-          <p:nvPr>
-            <p:ph idx="1" type="body"/>
-          </p:nvPr>
-        </p:nvSpPr>
-        <p:spPr>
-          <a:xfrm>
-            <a:off x="311725" y="1152475"/>
-            <a:ext cx="3803700" cy="1826100"/>
-          </a:xfrm>
-          <a:prstGeom prst="rect">
-            <a:avLst/>
-          </a:prstGeom>
-        </p:spPr>
-        <p:txBody>
-          <a:bodyPr anchorCtr="0" anchor="t" bIns="91425" lIns="91425" spcFirstLastPara="1" rIns="91425" wrap="square" tIns="91425">
-            <a:noAutofit/>
-          </a:bodyPr>
-          <a:lstStyle/>
-          <a:p>
-            <a:pPr indent="-342900" lvl="0" marL="457200" rtl="0" algn="l">
-              <a:spcBef>
-                <a:spcPts val="0"/>
-              </a:spcBef>
-              <a:spcAft>
-                <a:spcPts val="0"/>
-              </a:spcAft>
-              <a:buClr>
-                <a:srgbClr val="000000"/>
-              </a:buClr>
-              <a:buSzPts val="1800"/>
-              <a:buChar char="●"/>
-            </a:pPr>
-            <a:r>
-              <a:rPr lang="es">
-                <a:solidFill>
-                  <a:srgbClr val="000000"/>
-                </a:solidFill>
-              </a:rPr>
-              <a:t>Abre el notebook y completa las líneas faltantes.</a:t>
-            </a:r>
-            <a:endParaRPr>
-              <a:solidFill>
-                <a:srgbClr val="000000"/>
-              </a:solidFill>
-            </a:endParaRPr>
-          </a:p>
-        </p:txBody>
-      </p:sp>
     </p:spTree>
   </p:cSld>
   <p:clrMapOvr>
@@ -10940,7 +10121,7 @@
             </a:pPr>
             <a:r>
               <a:rPr lang="es"/>
-              <a:t>rasgos locales  y globales de imágenes</a:t>
+              <a:t>histograma de color</a:t>
             </a:r>
             <a:endParaRPr/>
           </a:p>
@@ -10974,7 +10155,7 @@
                 <a:spcPts val="0"/>
               </a:spcBef>
               <a:spcAft>
-                <a:spcPts val="1600"/>
+                <a:spcPts val="0"/>
               </a:spcAft>
               <a:buNone/>
             </a:pPr>
@@ -10984,7 +10165,186 @@
                   <a:srgbClr val="000000"/>
                 </a:solidFill>
               </a:rPr>
-              <a:t>Existen dos formas de extraer rasgos de una imagen: de forma local, que nos da información detallada de la imagen o de forma global que nos da información general de la imagen.</a:t>
+              <a:t>Nos da una idea general de la distribución de intensidad de la imagen. Podemos calcular el histograma con OpenCV.</a:t>
+            </a:r>
+            <a:endParaRPr>
+              <a:solidFill>
+                <a:srgbClr val="000000"/>
+              </a:solidFill>
+            </a:endParaRPr>
+          </a:p>
+          <a:p>
+            <a:pPr indent="0" lvl="0" marL="0" rtl="0" algn="ctr">
+              <a:lnSpc>
+                <a:spcPct val="163636"/>
+              </a:lnSpc>
+              <a:spcBef>
+                <a:spcPts val="1600"/>
+              </a:spcBef>
+              <a:spcAft>
+                <a:spcPts val="0"/>
+              </a:spcAft>
+              <a:buNone/>
+            </a:pPr>
+            <a:r>
+              <a:rPr b="1" i="1" lang="es" sz="1200">
+                <a:solidFill>
+                  <a:srgbClr val="404040"/>
+                </a:solidFill>
+                <a:highlight>
+                  <a:srgbClr val="FCFCFC"/>
+                </a:highlight>
+                <a:latin typeface="Arial"/>
+                <a:ea typeface="Arial"/>
+                <a:cs typeface="Arial"/>
+                <a:sym typeface="Arial"/>
+              </a:rPr>
+              <a:t>cv2.calcHist(images, channels, mask, histSize, ranges[, hist[, accumulate]])</a:t>
+            </a:r>
+            <a:endParaRPr b="1" i="1" sz="1200">
+              <a:solidFill>
+                <a:srgbClr val="404040"/>
+              </a:solidFill>
+              <a:highlight>
+                <a:srgbClr val="FCFCFC"/>
+              </a:highlight>
+              <a:latin typeface="Arial"/>
+              <a:ea typeface="Arial"/>
+              <a:cs typeface="Arial"/>
+              <a:sym typeface="Arial"/>
+            </a:endParaRPr>
+          </a:p>
+          <a:p>
+            <a:pPr indent="0" lvl="0" marL="0" rtl="0" algn="l">
+              <a:spcBef>
+                <a:spcPts val="1800"/>
+              </a:spcBef>
+              <a:spcAft>
+                <a:spcPts val="0"/>
+              </a:spcAft>
+              <a:buNone/>
+            </a:pPr>
+            <a:r>
+              <a:t/>
+            </a:r>
+            <a:endParaRPr b="1" i="1" sz="1100">
+              <a:solidFill>
+                <a:srgbClr val="000000"/>
+              </a:solidFill>
+              <a:latin typeface="Arial"/>
+              <a:ea typeface="Arial"/>
+              <a:cs typeface="Arial"/>
+              <a:sym typeface="Arial"/>
+            </a:endParaRPr>
+          </a:p>
+          <a:p>
+            <a:pPr indent="0" lvl="0" marL="0" rtl="0" algn="l">
+              <a:spcBef>
+                <a:spcPts val="0"/>
+              </a:spcBef>
+              <a:spcAft>
+                <a:spcPts val="0"/>
+              </a:spcAft>
+              <a:buNone/>
+            </a:pPr>
+            <a:r>
+              <a:rPr lang="es">
+                <a:solidFill>
+                  <a:srgbClr val="000000"/>
+                </a:solidFill>
+              </a:rPr>
+              <a:t>channels: RGB</a:t>
+            </a:r>
+            <a:endParaRPr>
+              <a:solidFill>
+                <a:srgbClr val="000000"/>
+              </a:solidFill>
+            </a:endParaRPr>
+          </a:p>
+          <a:p>
+            <a:pPr indent="0" lvl="0" marL="0" rtl="0" algn="l">
+              <a:spcBef>
+                <a:spcPts val="1600"/>
+              </a:spcBef>
+              <a:spcAft>
+                <a:spcPts val="0"/>
+              </a:spcAft>
+              <a:buNone/>
+            </a:pPr>
+            <a:r>
+              <a:rPr lang="es">
+                <a:solidFill>
+                  <a:srgbClr val="000000"/>
+                </a:solidFill>
+              </a:rPr>
+              <a:t>mask: None</a:t>
+            </a:r>
+            <a:endParaRPr>
+              <a:solidFill>
+                <a:srgbClr val="000000"/>
+              </a:solidFill>
+            </a:endParaRPr>
+          </a:p>
+          <a:p>
+            <a:pPr indent="0" lvl="0" marL="0" rtl="0" algn="l">
+              <a:spcBef>
+                <a:spcPts val="1600"/>
+              </a:spcBef>
+              <a:spcAft>
+                <a:spcPts val="0"/>
+              </a:spcAft>
+              <a:buNone/>
+            </a:pPr>
+            <a:r>
+              <a:rPr lang="es">
+                <a:solidFill>
+                  <a:srgbClr val="000000"/>
+                </a:solidFill>
+              </a:rPr>
+              <a:t>histSize: bins</a:t>
+            </a:r>
+            <a:endParaRPr>
+              <a:solidFill>
+                <a:srgbClr val="000000"/>
+              </a:solidFill>
+            </a:endParaRPr>
+          </a:p>
+          <a:p>
+            <a:pPr indent="0" lvl="0" marL="0" rtl="0" algn="l">
+              <a:spcBef>
+                <a:spcPts val="1600"/>
+              </a:spcBef>
+              <a:spcAft>
+                <a:spcPts val="0"/>
+              </a:spcAft>
+              <a:buNone/>
+            </a:pPr>
+            <a:r>
+              <a:rPr lang="es">
+                <a:solidFill>
+                  <a:srgbClr val="000000"/>
+                </a:solidFill>
+              </a:rPr>
+              <a:t>ranges:[0,256] por canal</a:t>
+            </a:r>
+            <a:endParaRPr>
+              <a:solidFill>
+                <a:srgbClr val="000000"/>
+              </a:solidFill>
+            </a:endParaRPr>
+          </a:p>
+          <a:p>
+            <a:pPr indent="0" lvl="0" marL="0" rtl="0" algn="l">
+              <a:spcBef>
+                <a:spcPts val="1600"/>
+              </a:spcBef>
+              <a:spcAft>
+                <a:spcPts val="1600"/>
+              </a:spcAft>
+              <a:buNone/>
+            </a:pPr>
+            <a:r>
+              <a:t/>
             </a:r>
             <a:endParaRPr>
               <a:solidFill>
@@ -11010,8 +10370,64 @@
         </p:blipFill>
         <p:spPr>
           <a:xfrm>
-            <a:off x="2634251" y="2476500"/>
-            <a:ext cx="3838000" cy="2049725"/>
+            <a:off x="4496325" y="2860675"/>
+            <a:ext cx="1615025" cy="1615025"/>
+          </a:xfrm>
+          <a:prstGeom prst="rect">
+            <a:avLst/>
+          </a:prstGeom>
+          <a:noFill/>
+          <a:ln>
+            <a:noFill/>
+          </a:ln>
+        </p:spPr>
+      </p:pic>
+      <p:pic>
+        <p:nvPicPr>
+          <p:cNvPr id="87" name="Google Shape;87;p17"/>
+          <p:cNvPicPr preferRelativeResize="0"/>
+          <p:nvPr/>
+        </p:nvPicPr>
+        <p:blipFill>
+          <a:blip r:embed="rId4">
+            <a:alphaModFix/>
+          </a:blip>
+          <a:stretch>
+            <a:fillRect/>
+          </a:stretch>
+        </p:blipFill>
+        <p:spPr>
+          <a:xfrm>
+            <a:off x="6492725" y="2278750"/>
+            <a:ext cx="1889276" cy="1416950"/>
+          </a:xfrm>
+          <a:prstGeom prst="rect">
+            <a:avLst/>
+          </a:prstGeom>
+          <a:noFill/>
+          <a:ln>
+            <a:noFill/>
+          </a:ln>
+        </p:spPr>
+      </p:pic>
+      <p:pic>
+        <p:nvPicPr>
+          <p:cNvPr id="88" name="Google Shape;88;p17"/>
+          <p:cNvPicPr preferRelativeResize="0"/>
+          <p:nvPr/>
+        </p:nvPicPr>
+        <p:blipFill>
+          <a:blip r:embed="rId5">
+            <a:alphaModFix/>
+          </a:blip>
+          <a:stretch>
+            <a:fillRect/>
+          </a:stretch>
+        </p:blipFill>
+        <p:spPr>
+          <a:xfrm>
+            <a:off x="6590500" y="3771900"/>
+            <a:ext cx="1828800" cy="1371600"/>
           </a:xfrm>
           <a:prstGeom prst="rect">
             <a:avLst/>
@@ -11035,7 +10451,7 @@
   <p:cSld>
     <p:spTree>
       <p:nvGrpSpPr>
-        <p:cNvPr id="90" name="Shape 90"/>
+        <p:cNvPr id="92" name="Shape 92"/>
         <p:cNvGrpSpPr/>
         <p:nvPr/>
       </p:nvGrpSpPr>
@@ -11049,7 +10465,7 @@
       </p:grpSpPr>
       <p:sp>
         <p:nvSpPr>
-          <p:cNvPr id="91" name="Google Shape;91;p18"/>
+          <p:cNvPr id="93" name="Google Shape;93;p18"/>
           <p:cNvSpPr txBox="1"/>
           <p:nvPr>
             <p:ph type="title"/>
@@ -11081,7 +10497,7 @@
             </a:pPr>
             <a:r>
               <a:rPr lang="es"/>
-              <a:t>algunos ejemplos de rasgos</a:t>
+              <a:t>textura haralick</a:t>
             </a:r>
             <a:endParaRPr/>
           </a:p>
@@ -11089,7 +10505,7 @@
       </p:sp>
       <p:sp>
         <p:nvSpPr>
-          <p:cNvPr id="92" name="Google Shape;92;p18"/>
+          <p:cNvPr id="94" name="Google Shape;94;p18"/>
           <p:cNvSpPr txBox="1"/>
           <p:nvPr>
             <p:ph idx="1" type="body"/>
@@ -11098,7 +10514,7 @@
         <p:spPr>
           <a:xfrm>
             <a:off x="311725" y="1152475"/>
-            <a:ext cx="8520600" cy="3340200"/>
+            <a:ext cx="5014200" cy="3340200"/>
           </a:xfrm>
           <a:prstGeom prst="rect">
             <a:avLst/>
@@ -11110,18 +10526,14 @@
           </a:bodyPr>
           <a:lstStyle/>
           <a:p>
-            <a:pPr indent="-342900" lvl="0" marL="457200" rtl="0" algn="l">
-              <a:spcBef>
-                <a:spcPts val="0"/>
-              </a:spcBef>
-              <a:spcAft>
-                <a:spcPts val="0"/>
-              </a:spcAft>
-              <a:buClr>
-                <a:srgbClr val="000000"/>
-              </a:buClr>
-              <a:buSzPts val="1800"/>
-              <a:buChar char="●"/>
+            <a:pPr indent="0" lvl="0" marL="0" rtl="0" algn="just">
+              <a:spcBef>
+                <a:spcPts val="0"/>
+              </a:spcBef>
+              <a:spcAft>
+                <a:spcPts val="0"/>
+              </a:spcAft>
+              <a:buNone/>
             </a:pPr>
             <a:r>
               <a:rPr lang="es">
@@ -11129,7 +10541,7 @@
                   <a:srgbClr val="000000"/>
                 </a:solidFill>
               </a:rPr>
-              <a:t>Histograma de color</a:t>
+              <a:t>La textura de la imagen se obtiene calculando la matriz de co-ocurrencias. Este método consiste en extraer las relaciones espaciales de pixeles.</a:t>
             </a:r>
             <a:endParaRPr>
               <a:solidFill>
@@ -11138,18 +10550,158 @@
             </a:endParaRPr>
           </a:p>
           <a:p>
-            <a:pPr indent="-342900" lvl="0" marL="457200" rtl="0" algn="l">
-              <a:spcBef>
-                <a:spcPts val="0"/>
-              </a:spcBef>
-              <a:spcAft>
-                <a:spcPts val="0"/>
-              </a:spcAft>
-              <a:buClr>
+            <a:pPr indent="0" lvl="0" marL="0" rtl="0" algn="ctr">
+              <a:lnSpc>
+                <a:spcPct val="131250"/>
+              </a:lnSpc>
+              <a:spcBef>
+                <a:spcPts val="1600"/>
+              </a:spcBef>
+              <a:spcAft>
+                <a:spcPts val="0"/>
+              </a:spcAft>
+              <a:buNone/>
+            </a:pPr>
+            <a:r>
+              <a:rPr lang="es" sz="1200">
+                <a:solidFill>
+                  <a:srgbClr val="000000"/>
+                </a:solidFill>
+                <a:highlight>
+                  <a:srgbClr val="FFFFFE"/>
+                </a:highlight>
+                <a:latin typeface="Courier New"/>
+                <a:ea typeface="Courier New"/>
+                <a:cs typeface="Courier New"/>
+                <a:sym typeface="Courier New"/>
+              </a:rPr>
+              <a:t>  </a:t>
+            </a:r>
+            <a:r>
+              <a:rPr b="1" lang="es" sz="1200">
+                <a:solidFill>
+                  <a:srgbClr val="000000"/>
+                </a:solidFill>
+                <a:highlight>
+                  <a:srgbClr val="FFFFFE"/>
+                </a:highlight>
+                <a:latin typeface="Courier New"/>
+                <a:ea typeface="Courier New"/>
+                <a:cs typeface="Courier New"/>
+                <a:sym typeface="Courier New"/>
+              </a:rPr>
+              <a:t>haralick = mahotas.features.haralick(gray).mean(axis=</a:t>
+            </a:r>
+            <a:r>
+              <a:rPr b="1" lang="es" sz="1200">
+                <a:solidFill>
+                  <a:srgbClr val="09885A"/>
+                </a:solidFill>
+                <a:highlight>
+                  <a:srgbClr val="FFFFFE"/>
+                </a:highlight>
+                <a:latin typeface="Courier New"/>
+                <a:ea typeface="Courier New"/>
+                <a:cs typeface="Courier New"/>
+                <a:sym typeface="Courier New"/>
+              </a:rPr>
+              <a:t>0</a:t>
+            </a:r>
+            <a:r>
+              <a:rPr b="1" lang="es" sz="1200">
+                <a:solidFill>
+                  <a:srgbClr val="000000"/>
+                </a:solidFill>
+                <a:highlight>
+                  <a:srgbClr val="FFFFFE"/>
+                </a:highlight>
+                <a:latin typeface="Courier New"/>
+                <a:ea typeface="Courier New"/>
+                <a:cs typeface="Courier New"/>
+                <a:sym typeface="Courier New"/>
+              </a:rPr>
+              <a:t>)</a:t>
+            </a:r>
+            <a:endParaRPr b="1" sz="1200">
+              <a:solidFill>
                 <a:srgbClr val="000000"/>
-              </a:buClr>
-              <a:buSzPts val="1800"/>
-              <a:buChar char="●"/>
+              </a:solidFill>
+              <a:highlight>
+                <a:srgbClr val="FFFFFE"/>
+              </a:highlight>
+              <a:latin typeface="Courier New"/>
+              <a:ea typeface="Courier New"/>
+              <a:cs typeface="Courier New"/>
+              <a:sym typeface="Courier New"/>
+            </a:endParaRPr>
+          </a:p>
+          <a:p>
+            <a:pPr indent="0" lvl="0" marL="0" rtl="0" algn="ctr">
+              <a:lnSpc>
+                <a:spcPct val="131250"/>
+              </a:lnSpc>
+              <a:spcBef>
+                <a:spcPts val="0"/>
+              </a:spcBef>
+              <a:spcAft>
+                <a:spcPts val="0"/>
+              </a:spcAft>
+              <a:buNone/>
+            </a:pPr>
+            <a:r>
+              <a:t/>
+            </a:r>
+            <a:endParaRPr b="1" sz="1200">
+              <a:solidFill>
+                <a:srgbClr val="000000"/>
+              </a:solidFill>
+              <a:highlight>
+                <a:srgbClr val="FFFFFE"/>
+              </a:highlight>
+              <a:latin typeface="Courier New"/>
+              <a:ea typeface="Courier New"/>
+              <a:cs typeface="Courier New"/>
+              <a:sym typeface="Courier New"/>
+            </a:endParaRPr>
+          </a:p>
+          <a:p>
+            <a:pPr indent="0" lvl="0" marL="0" rtl="0" algn="ctr">
+              <a:lnSpc>
+                <a:spcPct val="131250"/>
+              </a:lnSpc>
+              <a:spcBef>
+                <a:spcPts val="0"/>
+              </a:spcBef>
+              <a:spcAft>
+                <a:spcPts val="0"/>
+              </a:spcAft>
+              <a:buNone/>
+            </a:pPr>
+            <a:r>
+              <a:t/>
+            </a:r>
+            <a:endParaRPr b="1" sz="1200">
+              <a:solidFill>
+                <a:srgbClr val="000000"/>
+              </a:solidFill>
+              <a:highlight>
+                <a:srgbClr val="FFFFFE"/>
+              </a:highlight>
+              <a:latin typeface="Courier New"/>
+              <a:ea typeface="Courier New"/>
+              <a:cs typeface="Courier New"/>
+              <a:sym typeface="Courier New"/>
+            </a:endParaRPr>
+          </a:p>
+          <a:p>
+            <a:pPr indent="0" lvl="0" marL="0" rtl="0" algn="just">
+              <a:spcBef>
+                <a:spcPts val="0"/>
+              </a:spcBef>
+              <a:spcAft>
+                <a:spcPts val="0"/>
+              </a:spcAft>
+              <a:buNone/>
             </a:pPr>
             <a:r>
               <a:rPr lang="es">
@@ -11157,7 +10709,30 @@
                   <a:srgbClr val="000000"/>
                 </a:solidFill>
               </a:rPr>
-              <a:t>Textura Haralick</a:t>
+              <a:t>Se calculan 13 rasgos.</a:t>
+            </a:r>
+            <a:endParaRPr b="1" i="1" sz="1100">
+              <a:solidFill>
+                <a:srgbClr val="000000"/>
+              </a:solidFill>
+              <a:latin typeface="Arial"/>
+              <a:ea typeface="Arial"/>
+              <a:cs typeface="Arial"/>
+              <a:sym typeface="Arial"/>
+            </a:endParaRPr>
+          </a:p>
+          <a:p>
+            <a:pPr indent="0" lvl="0" marL="0" rtl="0" algn="l">
+              <a:spcBef>
+                <a:spcPts val="1600"/>
+              </a:spcBef>
+              <a:spcAft>
+                <a:spcPts val="0"/>
+              </a:spcAft>
+              <a:buNone/>
+            </a:pPr>
+            <a:r>
+              <a:t/>
             </a:r>
             <a:endParaRPr>
               <a:solidFill>
@@ -11166,26 +10741,17 @@
             </a:endParaRPr>
           </a:p>
           <a:p>
-            <a:pPr indent="-342900" lvl="0" marL="457200" rtl="0" algn="l">
-              <a:spcBef>
-                <a:spcPts val="0"/>
-              </a:spcBef>
-              <a:spcAft>
-                <a:spcPts val="0"/>
-              </a:spcAft>
-              <a:buClr>
-                <a:srgbClr val="000000"/>
-              </a:buClr>
-              <a:buSzPts val="1800"/>
-              <a:buChar char="●"/>
+            <a:pPr indent="0" lvl="0" marL="0" rtl="0" algn="l">
+              <a:spcBef>
+                <a:spcPts val="1600"/>
+              </a:spcBef>
+              <a:spcAft>
+                <a:spcPts val="1600"/>
+              </a:spcAft>
+              <a:buNone/>
             </a:pPr>
             <a:r>
-              <a:rPr lang="es">
-                <a:solidFill>
-                  <a:srgbClr val="000000"/>
-                </a:solidFill>
-              </a:rPr>
-              <a:t>Momentos Hu</a:t>
+              <a:t/>
             </a:r>
             <a:endParaRPr>
               <a:solidFill>
@@ -11197,7 +10763,7 @@
       </p:sp>
       <p:pic>
         <p:nvPicPr>
-          <p:cNvPr id="93" name="Google Shape;93;p18"/>
+          <p:cNvPr id="95" name="Google Shape;95;p18"/>
           <p:cNvPicPr preferRelativeResize="0"/>
           <p:nvPr/>
         </p:nvPicPr>
@@ -11211,64 +10777,8 @@
         </p:blipFill>
         <p:spPr>
           <a:xfrm>
-            <a:off x="292675" y="2276900"/>
-            <a:ext cx="3517326" cy="2638001"/>
-          </a:xfrm>
-          <a:prstGeom prst="rect">
-            <a:avLst/>
-          </a:prstGeom>
-          <a:noFill/>
-          <a:ln>
-            <a:noFill/>
-          </a:ln>
-        </p:spPr>
-      </p:pic>
-      <p:pic>
-        <p:nvPicPr>
-          <p:cNvPr id="94" name="Google Shape;94;p18"/>
-          <p:cNvPicPr preferRelativeResize="0"/>
-          <p:nvPr/>
-        </p:nvPicPr>
-        <p:blipFill>
-          <a:blip r:embed="rId4">
-            <a:alphaModFix/>
-          </a:blip>
-          <a:stretch>
-            <a:fillRect/>
-          </a:stretch>
-        </p:blipFill>
-        <p:spPr>
-          <a:xfrm>
-            <a:off x="4940875" y="54125"/>
-            <a:ext cx="2732850" cy="3084426"/>
-          </a:xfrm>
-          <a:prstGeom prst="rect">
-            <a:avLst/>
-          </a:prstGeom>
-          <a:noFill/>
-          <a:ln>
-            <a:noFill/>
-          </a:ln>
-        </p:spPr>
-      </p:pic>
-      <p:pic>
-        <p:nvPicPr>
-          <p:cNvPr id="95" name="Google Shape;95;p18"/>
-          <p:cNvPicPr preferRelativeResize="0"/>
-          <p:nvPr/>
-        </p:nvPicPr>
-        <p:blipFill>
-          <a:blip r:embed="rId5">
-            <a:alphaModFix/>
-          </a:blip>
-          <a:stretch>
-            <a:fillRect/>
-          </a:stretch>
-        </p:blipFill>
-        <p:spPr>
-          <a:xfrm>
-            <a:off x="4449924" y="3053424"/>
-            <a:ext cx="3673301" cy="2090075"/>
+            <a:off x="5542335" y="0"/>
+            <a:ext cx="3240930" cy="5143501"/>
           </a:xfrm>
           <a:prstGeom prst="rect">
             <a:avLst/>
@@ -11338,7 +10848,7 @@
             </a:pPr>
             <a:r>
               <a:rPr lang="es"/>
-              <a:t>algunos ejemplos de rasgos</a:t>
+              <a:t>momentos hu</a:t>
             </a:r>
             <a:endParaRPr/>
           </a:p>
@@ -11355,7 +10865,7 @@
         <p:spPr>
           <a:xfrm>
             <a:off x="311725" y="1152475"/>
-            <a:ext cx="3803700" cy="1285800"/>
+            <a:ext cx="4260300" cy="3340200"/>
           </a:xfrm>
           <a:prstGeom prst="rect">
             <a:avLst/>
@@ -11367,18 +10877,14 @@
           </a:bodyPr>
           <a:lstStyle/>
           <a:p>
-            <a:pPr indent="-342900" lvl="0" marL="457200" rtl="0" algn="l">
-              <a:spcBef>
-                <a:spcPts val="0"/>
-              </a:spcBef>
-              <a:spcAft>
-                <a:spcPts val="0"/>
-              </a:spcAft>
-              <a:buClr>
-                <a:srgbClr val="000000"/>
-              </a:buClr>
-              <a:buSzPts val="1800"/>
-              <a:buChar char="●"/>
+            <a:pPr indent="0" lvl="0" marL="0" rtl="0" algn="just">
+              <a:spcBef>
+                <a:spcPts val="0"/>
+              </a:spcBef>
+              <a:spcAft>
+                <a:spcPts val="0"/>
+              </a:spcAft>
+              <a:buNone/>
             </a:pPr>
             <a:r>
               <a:rPr lang="es">
@@ -11386,7 +10892,7 @@
                   <a:srgbClr val="000000"/>
                 </a:solidFill>
               </a:rPr>
-              <a:t>Histograma de gradientes orientados</a:t>
+              <a:t>Da una idea general de la forma de la imagen. </a:t>
             </a:r>
             <a:endParaRPr>
               <a:solidFill>
@@ -11395,18 +10901,84 @@
             </a:endParaRPr>
           </a:p>
           <a:p>
-            <a:pPr indent="-342900" lvl="0" marL="457200" rtl="0" algn="l">
-              <a:spcBef>
-                <a:spcPts val="0"/>
-              </a:spcBef>
-              <a:spcAft>
-                <a:spcPts val="0"/>
-              </a:spcAft>
-              <a:buClr>
+            <a:pPr indent="0" lvl="0" marL="0" rtl="0" algn="ctr">
+              <a:lnSpc>
+                <a:spcPct val="131250"/>
+              </a:lnSpc>
+              <a:spcBef>
+                <a:spcPts val="1600"/>
+              </a:spcBef>
+              <a:spcAft>
+                <a:spcPts val="0"/>
+              </a:spcAft>
+              <a:buNone/>
+            </a:pPr>
+            <a:r>
+              <a:rPr b="1" lang="es" sz="1200">
+                <a:solidFill>
+                  <a:srgbClr val="000000"/>
+                </a:solidFill>
+                <a:highlight>
+                  <a:srgbClr val="FFFFFE"/>
+                </a:highlight>
+                <a:latin typeface="Courier New"/>
+                <a:ea typeface="Courier New"/>
+                <a:cs typeface="Courier New"/>
+                <a:sym typeface="Courier New"/>
+              </a:rPr>
+              <a:t>Hu = cv2.HuMoments(cv2.moments(image)).flatten()</a:t>
+            </a:r>
+            <a:endParaRPr b="1" sz="1200">
+              <a:solidFill>
                 <a:srgbClr val="000000"/>
-              </a:buClr>
-              <a:buSzPts val="1800"/>
-              <a:buChar char="●"/>
+              </a:solidFill>
+              <a:highlight>
+                <a:srgbClr val="FFFFFE"/>
+              </a:highlight>
+              <a:latin typeface="Courier New"/>
+              <a:ea typeface="Courier New"/>
+              <a:cs typeface="Courier New"/>
+              <a:sym typeface="Courier New"/>
+            </a:endParaRPr>
+          </a:p>
+          <a:p>
+            <a:pPr indent="0" lvl="0" marL="0" rtl="0" algn="ctr">
+              <a:lnSpc>
+                <a:spcPct val="131250"/>
+              </a:lnSpc>
+              <a:spcBef>
+                <a:spcPts val="0"/>
+              </a:spcBef>
+              <a:spcAft>
+                <a:spcPts val="0"/>
+              </a:spcAft>
+              <a:buNone/>
+            </a:pPr>
+            <a:r>
+              <a:t/>
+            </a:r>
+            <a:endParaRPr sz="1200">
+              <a:solidFill>
+                <a:srgbClr val="000000"/>
+              </a:solidFill>
+              <a:highlight>
+                <a:srgbClr val="FFFFFE"/>
+              </a:highlight>
+              <a:latin typeface="Courier New"/>
+              <a:ea typeface="Courier New"/>
+              <a:cs typeface="Courier New"/>
+              <a:sym typeface="Courier New"/>
+            </a:endParaRPr>
+          </a:p>
+          <a:p>
+            <a:pPr indent="0" lvl="0" marL="0" rtl="0" algn="just">
+              <a:spcBef>
+                <a:spcPts val="0"/>
+              </a:spcBef>
+              <a:spcAft>
+                <a:spcPts val="0"/>
+              </a:spcAft>
+              <a:buNone/>
             </a:pPr>
             <a:r>
               <a:rPr lang="es">
@@ -11414,7 +10986,7 @@
                   <a:srgbClr val="000000"/>
                 </a:solidFill>
               </a:rPr>
-              <a:t>SIFT ó keypoints</a:t>
+              <a:t>Los 7 momentos Hu son invariantes en rotación, traslación y escala. Por eso son perfectamente útiles para clasificación.</a:t>
             </a:r>
             <a:endParaRPr>
               <a:solidFill>
@@ -11423,26 +10995,36 @@
             </a:endParaRPr>
           </a:p>
           <a:p>
-            <a:pPr indent="-342900" lvl="0" marL="457200" rtl="0" algn="l">
-              <a:spcBef>
-                <a:spcPts val="0"/>
-              </a:spcBef>
-              <a:spcAft>
-                <a:spcPts val="0"/>
-              </a:spcAft>
-              <a:buClr>
-                <a:srgbClr val="000000"/>
-              </a:buClr>
-              <a:buSzPts val="1800"/>
-              <a:buChar char="●"/>
+            <a:pPr indent="0" lvl="0" marL="0" rtl="0" algn="l">
+              <a:spcBef>
+                <a:spcPts val="1600"/>
+              </a:spcBef>
+              <a:spcAft>
+                <a:spcPts val="0"/>
+              </a:spcAft>
+              <a:buNone/>
             </a:pPr>
             <a:r>
-              <a:rPr lang="es">
-                <a:solidFill>
-                  <a:srgbClr val="000000"/>
-                </a:solidFill>
-              </a:rPr>
-              <a:t>Bag of visual words</a:t>
+              <a:t/>
+            </a:r>
+            <a:endParaRPr>
+              <a:solidFill>
+                <a:srgbClr val="000000"/>
+              </a:solidFill>
+            </a:endParaRPr>
+          </a:p>
+          <a:p>
+            <a:pPr indent="0" lvl="0" marL="0" rtl="0" algn="l">
+              <a:spcBef>
+                <a:spcPts val="1600"/>
+              </a:spcBef>
+              <a:spcAft>
+                <a:spcPts val="1600"/>
+              </a:spcAft>
+              <a:buNone/>
+            </a:pPr>
+            <a:r>
+              <a:t/>
             </a:r>
             <a:endParaRPr>
               <a:solidFill>
@@ -11468,64 +11050,8 @@
         </p:blipFill>
         <p:spPr>
           <a:xfrm>
-            <a:off x="4876800" y="45235"/>
-            <a:ext cx="4019550" cy="2035990"/>
-          </a:xfrm>
-          <a:prstGeom prst="rect">
-            <a:avLst/>
-          </a:prstGeom>
-          <a:noFill/>
-          <a:ln>
-            <a:noFill/>
-          </a:ln>
-        </p:spPr>
-      </p:pic>
-      <p:pic>
-        <p:nvPicPr>
-          <p:cNvPr id="103" name="Google Shape;103;p19"/>
-          <p:cNvPicPr preferRelativeResize="0"/>
-          <p:nvPr/>
-        </p:nvPicPr>
-        <p:blipFill>
-          <a:blip r:embed="rId4">
-            <a:alphaModFix/>
-          </a:blip>
-          <a:stretch>
-            <a:fillRect/>
-          </a:stretch>
-        </p:blipFill>
-        <p:spPr>
-          <a:xfrm>
-            <a:off x="5324482" y="2233625"/>
-            <a:ext cx="3103544" cy="2909875"/>
-          </a:xfrm>
-          <a:prstGeom prst="rect">
-            <a:avLst/>
-          </a:prstGeom>
-          <a:noFill/>
-          <a:ln>
-            <a:noFill/>
-          </a:ln>
-        </p:spPr>
-      </p:pic>
-      <p:pic>
-        <p:nvPicPr>
-          <p:cNvPr id="104" name="Google Shape;104;p19"/>
-          <p:cNvPicPr preferRelativeResize="0"/>
-          <p:nvPr/>
-        </p:nvPicPr>
-        <p:blipFill>
-          <a:blip r:embed="rId5">
-            <a:alphaModFix/>
-          </a:blip>
-          <a:stretch>
-            <a:fillRect/>
-          </a:stretch>
-        </p:blipFill>
-        <p:spPr>
-          <a:xfrm>
-            <a:off x="609600" y="2590675"/>
-            <a:ext cx="3195832" cy="2400425"/>
+            <a:off x="4615401" y="1093850"/>
+            <a:ext cx="4376200" cy="3091500"/>
           </a:xfrm>
           <a:prstGeom prst="rect">
             <a:avLst/>
@@ -11549,7 +11075,7 @@
   <p:cSld>
     <p:spTree>
       <p:nvGrpSpPr>
-        <p:cNvPr id="108" name="Shape 108"/>
+        <p:cNvPr id="106" name="Shape 106"/>
         <p:cNvGrpSpPr/>
         <p:nvPr/>
       </p:nvGrpSpPr>
@@ -11563,7 +11089,7 @@
       </p:grpSpPr>
       <p:sp>
         <p:nvSpPr>
-          <p:cNvPr id="109" name="Google Shape;109;p20"/>
+          <p:cNvPr id="107" name="Google Shape;107;p20"/>
           <p:cNvSpPr txBox="1"/>
           <p:nvPr>
             <p:ph type="title"/>
@@ -11595,11 +11121,7 @@
             </a:pPr>
             <a:r>
               <a:rPr lang="es" sz="3600"/>
-              <a:t>ejercicio: </a:t>
-            </a:r>
-            <a:r>
-              <a:rPr lang="es" sz="3600"/>
-              <a:t>4.2 Descriptores_globales_imagenes_EuroSAT.ipynb</a:t>
+              <a:t>ejercicio: hold-out validation</a:t>
             </a:r>
             <a:endParaRPr sz="3600"/>
           </a:p>
@@ -11607,7 +11129,7 @@
       </p:sp>
       <p:sp>
         <p:nvSpPr>
-          <p:cNvPr id="110" name="Google Shape;110;p20"/>
+          <p:cNvPr id="108" name="Google Shape;108;p20"/>
           <p:cNvSpPr txBox="1"/>
           <p:nvPr>
             <p:ph idx="1" type="body"/>
@@ -11615,8 +11137,8 @@
         </p:nvSpPr>
         <p:spPr>
           <a:xfrm>
-            <a:off x="311725" y="1152475"/>
-            <a:ext cx="3803700" cy="1826100"/>
+            <a:off x="311725" y="1000075"/>
+            <a:ext cx="8832300" cy="1826100"/>
           </a:xfrm>
           <a:prstGeom prst="rect">
             <a:avLst/>
@@ -11709,6 +11231,109 @@
           </a:p>
         </p:txBody>
       </p:sp>
+      <p:pic>
+        <p:nvPicPr>
+          <p:cNvPr id="109" name="Google Shape;109;p20"/>
+          <p:cNvPicPr preferRelativeResize="0"/>
+          <p:nvPr/>
+        </p:nvPicPr>
+        <p:blipFill>
+          <a:blip r:embed="rId3">
+            <a:alphaModFix/>
+          </a:blip>
+          <a:stretch>
+            <a:fillRect/>
+          </a:stretch>
+        </p:blipFill>
+        <p:spPr>
+          <a:xfrm>
+            <a:off x="1329225" y="2217225"/>
+            <a:ext cx="6182125" cy="629050"/>
+          </a:xfrm>
+          <a:prstGeom prst="rect">
+            <a:avLst/>
+          </a:prstGeom>
+          <a:noFill/>
+          <a:ln>
+            <a:noFill/>
+          </a:ln>
+        </p:spPr>
+      </p:pic>
+      <p:sp>
+        <p:nvSpPr>
+          <p:cNvPr id="110" name="Google Shape;110;p20"/>
+          <p:cNvSpPr/>
+          <p:nvPr/>
+        </p:nvSpPr>
+        <p:spPr>
+          <a:xfrm rot="5400000">
+            <a:off x="3658325" y="562775"/>
+            <a:ext cx="1346700" cy="6046800"/>
+          </a:xfrm>
+          <a:prstGeom prst="bracePair">
+            <a:avLst/>
+          </a:prstGeom>
+          <a:noFill/>
+          <a:ln cap="flat" cmpd="sng" w="38100">
+            <a:solidFill>
+              <a:schemeClr val="dk2"/>
+            </a:solidFill>
+            <a:prstDash val="solid"/>
+            <a:round/>
+            <a:headEnd len="sm" w="sm" type="none"/>
+            <a:tailEnd len="sm" w="sm" type="none"/>
+          </a:ln>
+        </p:spPr>
+        <p:txBody>
+          <a:bodyPr anchorCtr="0" anchor="ctr" bIns="91425" lIns="91425" spcFirstLastPara="1" rIns="91425" wrap="square" tIns="91425">
+            <a:noAutofit/>
+          </a:bodyPr>
+          <a:lstStyle/>
+          <a:p>
+            <a:pPr indent="0" lvl="0" marL="0" rtl="0" algn="l">
+              <a:spcBef>
+                <a:spcPts val="0"/>
+              </a:spcBef>
+              <a:spcAft>
+                <a:spcPts val="0"/>
+              </a:spcAft>
+              <a:buNone/>
+            </a:pPr>
+            <a:r>
+              <a:t/>
+            </a:r>
+            <a:endParaRPr/>
+          </a:p>
+        </p:txBody>
+      </p:sp>
+      <p:pic>
+        <p:nvPicPr>
+          <p:cNvPr id="111" name="Google Shape;111;p20"/>
+          <p:cNvPicPr preferRelativeResize="0"/>
+          <p:nvPr/>
+        </p:nvPicPr>
+        <p:blipFill>
+          <a:blip r:embed="rId4">
+            <a:alphaModFix/>
+          </a:blip>
+          <a:stretch>
+            <a:fillRect/>
+          </a:stretch>
+        </p:blipFill>
+        <p:spPr>
+          <a:xfrm>
+            <a:off x="228600" y="3359575"/>
+            <a:ext cx="8839202" cy="1020866"/>
+          </a:xfrm>
+          <a:prstGeom prst="rect">
+            <a:avLst/>
+          </a:prstGeom>
+          <a:noFill/>
+          <a:ln>
+            <a:noFill/>
+          </a:ln>
+        </p:spPr>
+      </p:pic>
     </p:spTree>
   </p:cSld>
   <p:clrMapOvr>
@@ -11722,7 +11347,7 @@
   <p:cSld>
     <p:spTree>
       <p:nvGrpSpPr>
-        <p:cNvPr id="114" name="Shape 114"/>
+        <p:cNvPr id="115" name="Shape 115"/>
         <p:cNvGrpSpPr/>
         <p:nvPr/>
       </p:nvGrpSpPr>
@@ -11736,7 +11361,7 @@
       </p:grpSpPr>
       <p:sp>
         <p:nvSpPr>
-          <p:cNvPr id="115" name="Google Shape;115;p21"/>
+          <p:cNvPr id="116" name="Google Shape;116;p21"/>
           <p:cNvSpPr txBox="1"/>
           <p:nvPr>
             <p:ph type="title"/>
@@ -11783,6 +11408,285 @@
 </file>
 
 <file path=ppt/theme/theme1.xml><?xml version="1.0" encoding="utf-8"?>
+<a:theme xmlns:a="http://schemas.openxmlformats.org/drawingml/2006/main" xmlns:r="http://schemas.openxmlformats.org/officeDocument/2006/relationships" name="Beach Day">
+  <a:themeElements>
+    <a:clrScheme name="Beach Day">
+      <a:dk1>
+        <a:srgbClr val="00FDC8"/>
+      </a:dk1>
+      <a:lt1>
+        <a:srgbClr val="FFFFFF"/>
+      </a:lt1>
+      <a:dk2>
+        <a:srgbClr val="666666"/>
+      </a:dk2>
+      <a:lt2>
+        <a:srgbClr val="EEEEEE"/>
+      </a:lt2>
+      <a:accent1>
+        <a:srgbClr val="212121"/>
+      </a:accent1>
+      <a:accent2>
+        <a:srgbClr val="455A64"/>
+      </a:accent2>
+      <a:accent3>
+        <a:srgbClr val="78909C"/>
+      </a:accent3>
+      <a:accent4>
+        <a:srgbClr val="7C7CE0"/>
+      </a:accent4>
+      <a:accent5>
+        <a:srgbClr val="DB4437"/>
+      </a:accent5>
+      <a:accent6>
+        <a:srgbClr val="F6CD4C"/>
+      </a:accent6>
+      <a:hlink>
+        <a:srgbClr val="DB4437"/>
+      </a:hlink>
+      <a:folHlink>
+        <a:srgbClr val="DB4437"/>
+      </a:folHlink>
+    </a:clrScheme>
+    <a:fontScheme name="Office">
+      <a:majorFont>
+        <a:latin typeface="Arial"/>
+        <a:ea typeface=""/>
+        <a:cs typeface=""/>
+        <a:font script="Jpan" typeface="ＭＳ Ｐゴシック"/>
+        <a:font script="Hang" typeface="맑은 고딕"/>
+        <a:font script="Hans" typeface="宋体"/>
+        <a:font script="Hant" typeface="新細明體"/>
+        <a:font script="Arab" typeface="Times New Roman"/>
+        <a:font script="Hebr" typeface="Times New Roman"/>
+        <a:font script="Thai" typeface="Angsana New"/>
+        <a:font script="Ethi" typeface="Nyala"/>
+        <a:font script="Beng" typeface="Vrinda"/>
+        <a:font script="Gujr" typeface="Shruti"/>
+        <a:font script="Khmr" typeface="MoolBoran"/>
+        <a:font script="Knda" typeface="Tunga"/>
+        <a:font script="Guru" typeface="Raavi"/>
+        <a:font script="Cans" typeface="Euphemia"/>
+        <a:font script="Cher" typeface="Plantagenet Cherokee"/>
+        <a:font script="Yiii" typeface="Microsoft Yi Baiti"/>
+        <a:font script="Tibt" typeface="Microsoft Himalaya"/>
+        <a:font script="Thaa" typeface="MV Boli"/>
+        <a:font script="Deva" typeface="Mangal"/>
+        <a:font script="Telu" typeface="Gautami"/>
+        <a:font script="Taml" typeface="Latha"/>
+        <a:font script="Syrc" typeface="Estrangelo Edessa"/>
+        <a:font script="Orya" typeface="Kalinga"/>
+        <a:font script="Mlym" typeface="Kartika"/>
+        <a:font script="Laoo" typeface="DokChampa"/>
+        <a:font script="Sinh" typeface="Iskoola Pota"/>
+        <a:font script="Mong" typeface="Mongolian Baiti"/>
+        <a:font script="Viet" typeface="Times New Roman"/>
+        <a:font script="Uigh" typeface="Microsoft Uighur"/>
+        <a:font script="Geor" typeface="Sylfaen"/>
+      </a:majorFont>
+      <a:minorFont>
+        <a:latin typeface="Arial"/>
+        <a:ea typeface=""/>
+        <a:cs typeface=""/>
+        <a:font script="Jpan" typeface="ＭＳ Ｐゴシック"/>
+        <a:font script="Hang" typeface="맑은 고딕"/>
+        <a:font script="Hans" typeface="宋体"/>
+        <a:font script="Hant" typeface="新細明體"/>
+        <a:font script="Arab" typeface="Arial"/>
+        <a:font script="Hebr" typeface="Arial"/>
+        <a:font script="Thai" typeface="Cordia New"/>
+        <a:font script="Ethi" typeface="Nyala"/>
+        <a:font script="Beng" typeface="Vrinda"/>
+        <a:font script="Gujr" typeface="Shruti"/>
+        <a:font script="Khmr" typeface="DaunPenh"/>
+        <a:font script="Knda" typeface="Tunga"/>
+        <a:font script="Guru" typeface="Raavi"/>
+        <a:font script="Cans" typeface="Euphemia"/>
+        <a:font script="Cher" typeface="Plantagenet Cherokee"/>
+        <a:font script="Yiii" typeface="Microsoft Yi Baiti"/>
+        <a:font script="Tibt" typeface="Microsoft Himalaya"/>
+        <a:font script="Thaa" typeface="MV Boli"/>
+        <a:font script="Deva" typeface="Mangal"/>
+        <a:font script="Telu" typeface="Gautami"/>
+        <a:font script="Taml" typeface="Latha"/>
+        <a:font script="Syrc" typeface="Estrangelo Edessa"/>
+        <a:font script="Orya" typeface="Kalinga"/>
+        <a:font script="Mlym" typeface="Kartika"/>
+        <a:font script="Laoo" typeface="DokChampa"/>
+        <a:font script="Sinh" typeface="Iskoola Pota"/>
+        <a:font script="Mong" typeface="Mongolian Baiti"/>
+        <a:font script="Viet" typeface="Arial"/>
+        <a:font script="Uigh" typeface="Microsoft Uighur"/>
+        <a:font script="Geor" typeface="Sylfaen"/>
+      </a:minorFont>
+    </a:fontScheme>
+    <a:fmtScheme name="Office">
+      <a:fillStyleLst>
+        <a:solidFill>
+          <a:schemeClr val="phClr"/>
+        </a:solidFill>
+        <a:gradFill rotWithShape="1">
+          <a:gsLst>
+            <a:gs pos="0">
+              <a:schemeClr val="phClr">
+                <a:tint val="50000"/>
+                <a:satMod val="300000"/>
+              </a:schemeClr>
+            </a:gs>
+            <a:gs pos="35000">
+              <a:schemeClr val="phClr">
+                <a:tint val="37000"/>
+                <a:satMod val="300000"/>
+              </a:schemeClr>
+            </a:gs>
+            <a:gs pos="100000">
+              <a:schemeClr val="phClr">
+                <a:tint val="15000"/>
+                <a:satMod val="350000"/>
+              </a:schemeClr>
+            </a:gs>
+          </a:gsLst>
+          <a:lin ang="16200000" scaled="1"/>
+        </a:gradFill>
+        <a:gradFill rotWithShape="1">
+          <a:gsLst>
+            <a:gs pos="0">
+              <a:schemeClr val="phClr">
+                <a:tint val="100000"/>
+                <a:shade val="100000"/>
+                <a:satMod val="130000"/>
+              </a:schemeClr>
+            </a:gs>
+            <a:gs pos="100000">
+              <a:schemeClr val="phClr">
+                <a:tint val="50000"/>
+                <a:shade val="100000"/>
+                <a:satMod val="350000"/>
+              </a:schemeClr>
+            </a:gs>
+          </a:gsLst>
+          <a:lin ang="16200000" scaled="0"/>
+        </a:gradFill>
+      </a:fillStyleLst>
+      <a:lnStyleLst>
+        <a:ln w="9525" cap="flat" cmpd="sng" algn="ctr">
+          <a:solidFill>
+            <a:schemeClr val="phClr">
+              <a:shade val="95000"/>
+              <a:satMod val="105000"/>
+            </a:schemeClr>
+          </a:solidFill>
+          <a:prstDash val="solid"/>
+        </a:ln>
+        <a:ln w="25400" cap="flat" cmpd="sng" algn="ctr">
+          <a:solidFill>
+            <a:schemeClr val="phClr"/>
+          </a:solidFill>
+          <a:prstDash val="solid"/>
+        </a:ln>
+        <a:ln w="38100" cap="flat" cmpd="sng" algn="ctr">
+          <a:solidFill>
+            <a:schemeClr val="phClr"/>
+          </a:solidFill>
+          <a:prstDash val="solid"/>
+        </a:ln>
+      </a:lnStyleLst>
+      <a:effectStyleLst>
+        <a:effectStyle>
+          <a:effectLst>
+            <a:outerShdw blurRad="40000" dist="20000" dir="5400000" rotWithShape="0">
+              <a:srgbClr val="000000">
+                <a:alpha val="38000"/>
+              </a:srgbClr>
+            </a:outerShdw>
+          </a:effectLst>
+        </a:effectStyle>
+        <a:effectStyle>
+          <a:effectLst>
+            <a:outerShdw blurRad="40000" dist="23000" dir="5400000" rotWithShape="0">
+              <a:srgbClr val="000000">
+                <a:alpha val="35000"/>
+              </a:srgbClr>
+            </a:outerShdw>
+          </a:effectLst>
+        </a:effectStyle>
+        <a:effectStyle>
+          <a:effectLst>
+            <a:outerShdw blurRad="40000" dist="23000" dir="5400000" rotWithShape="0">
+              <a:srgbClr val="000000">
+                <a:alpha val="35000"/>
+              </a:srgbClr>
+            </a:outerShdw>
+          </a:effectLst>
+          <a:scene3d>
+            <a:camera prst="orthographicFront">
+              <a:rot lat="0" lon="0" rev="0"/>
+            </a:camera>
+            <a:lightRig rig="threePt" dir="t">
+              <a:rot lat="0" lon="0" rev="1200000"/>
+            </a:lightRig>
+          </a:scene3d>
+          <a:sp3d>
+            <a:bevelT w="63500" h="25400"/>
+          </a:sp3d>
+        </a:effectStyle>
+      </a:effectStyleLst>
+      <a:bgFillStyleLst>
+        <a:solidFill>
+          <a:schemeClr val="phClr"/>
+        </a:solidFill>
+        <a:gradFill rotWithShape="1">
+          <a:gsLst>
+            <a:gs pos="0">
+              <a:schemeClr val="phClr">
+                <a:tint val="40000"/>
+                <a:satMod val="350000"/>
+              </a:schemeClr>
+            </a:gs>
+            <a:gs pos="40000">
+              <a:schemeClr val="phClr">
+                <a:tint val="45000"/>
+                <a:shade val="99000"/>
+                <a:satMod val="350000"/>
+              </a:schemeClr>
+            </a:gs>
+            <a:gs pos="100000">
+              <a:schemeClr val="phClr">
+                <a:shade val="20000"/>
+                <a:satMod val="255000"/>
+              </a:schemeClr>
+            </a:gs>
+          </a:gsLst>
+          <a:path path="circle">
+            <a:fillToRect l="50000" t="-80000" r="50000" b="180000"/>
+          </a:path>
+        </a:gradFill>
+        <a:gradFill rotWithShape="1">
+          <a:gsLst>
+            <a:gs pos="0">
+              <a:schemeClr val="phClr">
+                <a:tint val="80000"/>
+                <a:satMod val="300000"/>
+              </a:schemeClr>
+            </a:gs>
+            <a:gs pos="100000">
+              <a:schemeClr val="phClr">
+                <a:shade val="30000"/>
+                <a:satMod val="200000"/>
+              </a:schemeClr>
+            </a:gs>
+          </a:gsLst>
+          <a:path path="circle">
+            <a:fillToRect l="50000" t="50000" r="50000" b="50000"/>
+          </a:path>
+        </a:gradFill>
+      </a:bgFillStyleLst>
+    </a:fmtScheme>
+  </a:themeElements>
+</a:theme>
+</file>
+
+<file path=ppt/theme/theme2.xml><?xml version="1.0" encoding="utf-8"?>
 <a:theme xmlns:a="http://schemas.openxmlformats.org/drawingml/2006/main" xmlns:r="http://schemas.openxmlformats.org/officeDocument/2006/relationships">
   <a:themeElements>
     <a:clrScheme name="Default">
@@ -12059,283 +11963,4 @@
     </a:fmtScheme>
   </a:themeElements>
 </a:theme>
-</file>
-
-<file path=ppt/theme/theme2.xml><?xml version="1.0" encoding="utf-8"?>
-<a:theme xmlns:a="http://schemas.openxmlformats.org/drawingml/2006/main" xmlns:r="http://schemas.openxmlformats.org/officeDocument/2006/relationships" name="Beach Day">
-  <a:themeElements>
-    <a:clrScheme name="Beach Day">
-      <a:dk1>
-        <a:srgbClr val="00FDC8"/>
-      </a:dk1>
-      <a:lt1>
-        <a:srgbClr val="FFFFFF"/>
-      </a:lt1>
-      <a:dk2>
-        <a:srgbClr val="666666"/>
-      </a:dk2>
-      <a:lt2>
-        <a:srgbClr val="EEEEEE"/>
-      </a:lt2>
-      <a:accent1>
-        <a:srgbClr val="212121"/>
-      </a:accent1>
-      <a:accent2>
-        <a:srgbClr val="455A64"/>
-      </a:accent2>
-      <a:accent3>
-        <a:srgbClr val="78909C"/>
-      </a:accent3>
-      <a:accent4>
-        <a:srgbClr val="7C7CE0"/>
-      </a:accent4>
-      <a:accent5>
-        <a:srgbClr val="DB4437"/>
-      </a:accent5>
-      <a:accent6>
-        <a:srgbClr val="F6CD4C"/>
-      </a:accent6>
-      <a:hlink>
-        <a:srgbClr val="DB4437"/>
-      </a:hlink>
-      <a:folHlink>
-        <a:srgbClr val="DB4437"/>
-      </a:folHlink>
-    </a:clrScheme>
-    <a:fontScheme name="Office">
-      <a:majorFont>
-        <a:latin typeface="Arial"/>
-        <a:ea typeface=""/>
-        <a:cs typeface=""/>
-        <a:font script="Jpan" typeface="ＭＳ Ｐゴシック"/>
-        <a:font script="Hang" typeface="맑은 고딕"/>
-        <a:font script="Hans" typeface="宋体"/>
-        <a:font script="Hant" typeface="新細明體"/>
-        <a:font script="Arab" typeface="Times New Roman"/>
-        <a:font script="Hebr" typeface="Times New Roman"/>
-        <a:font script="Thai" typeface="Angsana New"/>
-        <a:font script="Ethi" typeface="Nyala"/>
-        <a:font script="Beng" typeface="Vrinda"/>
-        <a:font script="Gujr" typeface="Shruti"/>
-        <a:font script="Khmr" typeface="MoolBoran"/>
-        <a:font script="Knda" typeface="Tunga"/>
-        <a:font script="Guru" typeface="Raavi"/>
-        <a:font script="Cans" typeface="Euphemia"/>
-        <a:font script="Cher" typeface="Plantagenet Cherokee"/>
-        <a:font script="Yiii" typeface="Microsoft Yi Baiti"/>
-        <a:font script="Tibt" typeface="Microsoft Himalaya"/>
-        <a:font script="Thaa" typeface="MV Boli"/>
-        <a:font script="Deva" typeface="Mangal"/>
-        <a:font script="Telu" typeface="Gautami"/>
-        <a:font script="Taml" typeface="Latha"/>
-        <a:font script="Syrc" typeface="Estrangelo Edessa"/>
-        <a:font script="Orya" typeface="Kalinga"/>
-        <a:font script="Mlym" typeface="Kartika"/>
-        <a:font script="Laoo" typeface="DokChampa"/>
-        <a:font script="Sinh" typeface="Iskoola Pota"/>
-        <a:font script="Mong" typeface="Mongolian Baiti"/>
-        <a:font script="Viet" typeface="Times New Roman"/>
-        <a:font script="Uigh" typeface="Microsoft Uighur"/>
-        <a:font script="Geor" typeface="Sylfaen"/>
-      </a:majorFont>
-      <a:minorFont>
-        <a:latin typeface="Arial"/>
-        <a:ea typeface=""/>
-        <a:cs typeface=""/>
-        <a:font script="Jpan" typeface="ＭＳ Ｐゴシック"/>
-        <a:font script="Hang" typeface="맑은 고딕"/>
-        <a:font script="Hans" typeface="宋体"/>
-        <a:font script="Hant" typeface="新細明體"/>
-        <a:font script="Arab" typeface="Arial"/>
-        <a:font script="Hebr" typeface="Arial"/>
-        <a:font script="Thai" typeface="Cordia New"/>
-        <a:font script="Ethi" typeface="Nyala"/>
-        <a:font script="Beng" typeface="Vrinda"/>
-        <a:font script="Gujr" typeface="Shruti"/>
-        <a:font script="Khmr" typeface="DaunPenh"/>
-        <a:font script="Knda" typeface="Tunga"/>
-        <a:font script="Guru" typeface="Raavi"/>
-        <a:font script="Cans" typeface="Euphemia"/>
-        <a:font script="Cher" typeface="Plantagenet Cherokee"/>
-        <a:font script="Yiii" typeface="Microsoft Yi Baiti"/>
-        <a:font script="Tibt" typeface="Microsoft Himalaya"/>
-        <a:font script="Thaa" typeface="MV Boli"/>
-        <a:font script="Deva" typeface="Mangal"/>
-        <a:font script="Telu" typeface="Gautami"/>
-        <a:font script="Taml" typeface="Latha"/>
-        <a:font script="Syrc" typeface="Estrangelo Edessa"/>
-        <a:font script="Orya" typeface="Kalinga"/>
-        <a:font script="Mlym" typeface="Kartika"/>
-        <a:font script="Laoo" typeface="DokChampa"/>
-        <a:font script="Sinh" typeface="Iskoola Pota"/>
-        <a:font script="Mong" typeface="Mongolian Baiti"/>
-        <a:font script="Viet" typeface="Arial"/>
-        <a:font script="Uigh" typeface="Microsoft Uighur"/>
-        <a:font script="Geor" typeface="Sylfaen"/>
-      </a:minorFont>
-    </a:fontScheme>
-    <a:fmtScheme name="Office">
-      <a:fillStyleLst>
-        <a:solidFill>
-          <a:schemeClr val="phClr"/>
-        </a:solidFill>
-        <a:gradFill rotWithShape="1">
-          <a:gsLst>
-            <a:gs pos="0">
-              <a:schemeClr val="phClr">
-                <a:tint val="50000"/>
-                <a:satMod val="300000"/>
-              </a:schemeClr>
-            </a:gs>
-            <a:gs pos="35000">
-              <a:schemeClr val="phClr">
-                <a:tint val="37000"/>
-                <a:satMod val="300000"/>
-              </a:schemeClr>
-            </a:gs>
-            <a:gs pos="100000">
-              <a:schemeClr val="phClr">
-                <a:tint val="15000"/>
-                <a:satMod val="350000"/>
-              </a:schemeClr>
-            </a:gs>
-          </a:gsLst>
-          <a:lin ang="16200000" scaled="1"/>
-        </a:gradFill>
-        <a:gradFill rotWithShape="1">
-          <a:gsLst>
-            <a:gs pos="0">
-              <a:schemeClr val="phClr">
-                <a:tint val="100000"/>
-                <a:shade val="100000"/>
-                <a:satMod val="130000"/>
-              </a:schemeClr>
-            </a:gs>
-            <a:gs pos="100000">
-              <a:schemeClr val="phClr">
-                <a:tint val="50000"/>
-                <a:shade val="100000"/>
-                <a:satMod val="350000"/>
-              </a:schemeClr>
-            </a:gs>
-          </a:gsLst>
-          <a:lin ang="16200000" scaled="0"/>
-        </a:gradFill>
-      </a:fillStyleLst>
-      <a:lnStyleLst>
-        <a:ln w="9525" cap="flat" cmpd="sng" algn="ctr">
-          <a:solidFill>
-            <a:schemeClr val="phClr">
-              <a:shade val="95000"/>
-              <a:satMod val="105000"/>
-            </a:schemeClr>
-          </a:solidFill>
-          <a:prstDash val="solid"/>
-        </a:ln>
-        <a:ln w="25400" cap="flat" cmpd="sng" algn="ctr">
-          <a:solidFill>
-            <a:schemeClr val="phClr"/>
-          </a:solidFill>
-          <a:prstDash val="solid"/>
-        </a:ln>
-        <a:ln w="38100" cap="flat" cmpd="sng" algn="ctr">
-          <a:solidFill>
-            <a:schemeClr val="phClr"/>
-          </a:solidFill>
-          <a:prstDash val="solid"/>
-        </a:ln>
-      </a:lnStyleLst>
-      <a:effectStyleLst>
-        <a:effectStyle>
-          <a:effectLst>
-            <a:outerShdw blurRad="40000" dist="20000" dir="5400000" rotWithShape="0">
-              <a:srgbClr val="000000">
-                <a:alpha val="38000"/>
-              </a:srgbClr>
-            </a:outerShdw>
-          </a:effectLst>
-        </a:effectStyle>
-        <a:effectStyle>
-          <a:effectLst>
-            <a:outerShdw blurRad="40000" dist="23000" dir="5400000" rotWithShape="0">
-              <a:srgbClr val="000000">
-                <a:alpha val="35000"/>
-              </a:srgbClr>
-            </a:outerShdw>
-          </a:effectLst>
-        </a:effectStyle>
-        <a:effectStyle>
-          <a:effectLst>
-            <a:outerShdw blurRad="40000" dist="23000" dir="5400000" rotWithShape="0">
-              <a:srgbClr val="000000">
-                <a:alpha val="35000"/>
-              </a:srgbClr>
-            </a:outerShdw>
-          </a:effectLst>
-          <a:scene3d>
-            <a:camera prst="orthographicFront">
-              <a:rot lat="0" lon="0" rev="0"/>
-            </a:camera>
-            <a:lightRig rig="threePt" dir="t">
-              <a:rot lat="0" lon="0" rev="1200000"/>
-            </a:lightRig>
-          </a:scene3d>
-          <a:sp3d>
-            <a:bevelT w="63500" h="25400"/>
-          </a:sp3d>
-        </a:effectStyle>
-      </a:effectStyleLst>
-      <a:bgFillStyleLst>
-        <a:solidFill>
-          <a:schemeClr val="phClr"/>
-        </a:solidFill>
-        <a:gradFill rotWithShape="1">
-          <a:gsLst>
-            <a:gs pos="0">
-              <a:schemeClr val="phClr">
-                <a:tint val="40000"/>
-                <a:satMod val="350000"/>
-              </a:schemeClr>
-            </a:gs>
-            <a:gs pos="40000">
-              <a:schemeClr val="phClr">
-                <a:tint val="45000"/>
-                <a:shade val="99000"/>
-                <a:satMod val="350000"/>
-              </a:schemeClr>
-            </a:gs>
-            <a:gs pos="100000">
-              <a:schemeClr val="phClr">
-                <a:shade val="20000"/>
-                <a:satMod val="255000"/>
-              </a:schemeClr>
-            </a:gs>
-          </a:gsLst>
-          <a:path path="circle">
-            <a:fillToRect l="50000" t="-80000" r="50000" b="180000"/>
-          </a:path>
-        </a:gradFill>
-        <a:gradFill rotWithShape="1">
-          <a:gsLst>
-            <a:gs pos="0">
-              <a:schemeClr val="phClr">
-                <a:tint val="80000"/>
-                <a:satMod val="300000"/>
-              </a:schemeClr>
-            </a:gs>
-            <a:gs pos="100000">
-              <a:schemeClr val="phClr">
-                <a:shade val="30000"/>
-                <a:satMod val="200000"/>
-              </a:schemeClr>
-            </a:gs>
-          </a:gsLst>
-          <a:path path="circle">
-            <a:fillToRect l="50000" t="50000" r="50000" b="50000"/>
-          </a:path>
-        </a:gradFill>
-      </a:bgFillStyleLst>
-    </a:fmtScheme>
-  </a:themeElements>
-</a:theme>
 </file>